--- a/Web Scraping Tripadvisor Flights_Edwin Back.pptx
+++ b/Web Scraping Tripadvisor Flights_Edwin Back.pptx
@@ -1,6 +1,6 @@
 
 <file path=ppt/presentation.xml><?xml version="1.0" encoding="utf-8"?>
-<p:presentation xmlns:a="http://schemas.openxmlformats.org/drawingml/2006/main" xmlns:r="http://schemas.openxmlformats.org/officeDocument/2006/relationships" xmlns:mc="http://schemas.openxmlformats.org/markup-compatibility/2006" xmlns:mv="urn:schemas-microsoft-com:mac:vml" xmlns:p="http://schemas.openxmlformats.org/presentationml/2006/main" xmlns:c="http://schemas.openxmlformats.org/drawingml/2006/chart" xmlns:dgm="http://schemas.openxmlformats.org/drawingml/2006/diagram" xmlns:o="urn:schemas-microsoft-com:office:office" xmlns:v="urn:schemas-microsoft-com:vml" xmlns:pvml="urn:schemas-microsoft-com:office:powerpoint" xmlns:com="http://schemas.openxmlformats.org/drawingml/2006/compatibility" xmlns:p14="http://schemas.microsoft.com/office/powerpoint/2010/main" xmlns:p15="http://schemas.microsoft.com/office/powerpoint/2012/main" autoCompressPictures="0" strictFirstAndLastChars="0" saveSubsetFonts="1">
+<p:presentation xmlns:a="http://schemas.openxmlformats.org/drawingml/2006/main" xmlns:r="http://schemas.openxmlformats.org/officeDocument/2006/relationships" xmlns:mc="http://schemas.openxmlformats.org/markup-compatibility/2006" xmlns:mv="urn:schemas-microsoft-com:mac:vml" xmlns:p="http://schemas.openxmlformats.org/presentationml/2006/main" xmlns:c="http://schemas.openxmlformats.org/drawingml/2006/chart" xmlns:dgm="http://schemas.openxmlformats.org/drawingml/2006/diagram" xmlns:o="urn:schemas-microsoft-com:office:office" xmlns:v="urn:schemas-microsoft-com:vml" xmlns:pvml="urn:schemas-microsoft-com:office:powerpoint" xmlns:com="http://schemas.openxmlformats.org/drawingml/2006/compatibility" xmlns:p14="http://schemas.microsoft.com/office/powerpoint/2010/main" xmlns:p15="http://schemas.microsoft.com/office/powerpoint/2012/main" autoCompressPictures="0" embedTrueTypeFonts="1" strictFirstAndLastChars="0" saveSubsetFonts="1">
   <p:sldMasterIdLst>
     <p:sldMasterId id="2147483659" r:id="rId4"/>
   </p:sldMasterIdLst>
@@ -22,9 +22,29 @@
     <p:sldId id="267" r:id="rId17"/>
     <p:sldId id="268" r:id="rId18"/>
     <p:sldId id="269" r:id="rId19"/>
+    <p:sldId id="270" r:id="rId20"/>
+    <p:sldId id="271" r:id="rId21"/>
   </p:sldIdLst>
   <p:sldSz cy="5143500" cx="9144000"/>
   <p:notesSz cx="6858000" cy="9144000"/>
+  <p:embeddedFontLst>
+    <p:embeddedFont>
+      <p:font typeface="Montserrat Medium"/>
+      <p:regular r:id="rId22"/>
+      <p:bold r:id="rId23"/>
+      <p:italic r:id="rId24"/>
+      <p:boldItalic r:id="rId25"/>
+    </p:embeddedFont>
+    <p:embeddedFont>
+      <p:font typeface="Average"/>
+      <p:regular r:id="rId26"/>
+    </p:embeddedFont>
+    <p:embeddedFont>
+      <p:font typeface="Oswald"/>
+      <p:regular r:id="rId27"/>
+      <p:bold r:id="rId28"/>
+    </p:embeddedFont>
+  </p:embeddedFontLst>
   <p:defaultTextStyle>
     <a:defPPr lvl="0" marR="0" rtl="0" algn="l">
       <a:lnSpc>
@@ -704,7 +724,7 @@
   <p:cSld>
     <p:spTree>
       <p:nvGrpSpPr>
-        <p:cNvPr id="50" name="Shape 50"/>
+        <p:cNvPr id="55" name="Shape 55"/>
         <p:cNvGrpSpPr/>
         <p:nvPr/>
       </p:nvGrpSpPr>
@@ -718,7 +738,7 @@
       </p:grpSpPr>
       <p:sp>
         <p:nvSpPr>
-          <p:cNvPr id="51" name="Google Shape;51;p:notes"/>
+          <p:cNvPr id="56" name="Google Shape;56;p:notes"/>
           <p:cNvSpPr/>
           <p:nvPr>
             <p:ph idx="2" type="sldImg"/>
@@ -753,7 +773,7 @@
       </p:sp>
       <p:sp>
         <p:nvSpPr>
-          <p:cNvPr id="52" name="Google Shape;52;p:notes"/>
+          <p:cNvPr id="57" name="Google Shape;57;p:notes"/>
           <p:cNvSpPr txBox="1"/>
           <p:nvPr>
             <p:ph idx="1" type="body"/>
@@ -803,7 +823,7 @@
   <p:cSld>
     <p:spTree>
       <p:nvGrpSpPr>
-        <p:cNvPr id="98" name="Shape 98"/>
+        <p:cNvPr id="103" name="Shape 103"/>
         <p:cNvGrpSpPr/>
         <p:nvPr/>
       </p:nvGrpSpPr>
@@ -817,7 +837,7 @@
       </p:grpSpPr>
       <p:sp>
         <p:nvSpPr>
-          <p:cNvPr id="99" name="Google Shape;99;g6e226f37d7_0_51:notes"/>
+          <p:cNvPr id="104" name="Google Shape;104;g6e226f37d7_0_51:notes"/>
           <p:cNvSpPr/>
           <p:nvPr>
             <p:ph idx="2" type="sldImg"/>
@@ -852,7 +872,7 @@
       </p:sp>
       <p:sp>
         <p:nvSpPr>
-          <p:cNvPr id="100" name="Google Shape;100;g6e226f37d7_0_51:notes"/>
+          <p:cNvPr id="105" name="Google Shape;105;g6e226f37d7_0_51:notes"/>
           <p:cNvSpPr txBox="1"/>
           <p:nvPr>
             <p:ph idx="1" type="body"/>
@@ -883,6 +903,38 @@
               <a:buNone/>
             </a:pPr>
             <a:r>
+              <a:rPr lang="en"/>
+              <a:t>Comparing JFK vs EWR vs LGA</a:t>
+            </a:r>
+            <a:endParaRPr/>
+          </a:p>
+          <a:p>
+            <a:pPr indent="0" lvl="0" marL="0" rtl="0" algn="l">
+              <a:spcBef>
+                <a:spcPts val="0"/>
+              </a:spcBef>
+              <a:spcAft>
+                <a:spcPts val="0"/>
+              </a:spcAft>
+              <a:buNone/>
+            </a:pPr>
+            <a:r>
+              <a:rPr lang="en"/>
+              <a:t>JFK has the best quality of flights based on median flyscore</a:t>
+            </a:r>
+            <a:endParaRPr/>
+          </a:p>
+          <a:p>
+            <a:pPr indent="0" lvl="0" marL="0" rtl="0" algn="l">
+              <a:spcBef>
+                <a:spcPts val="0"/>
+              </a:spcBef>
+              <a:spcAft>
+                <a:spcPts val="0"/>
+              </a:spcAft>
+              <a:buNone/>
+            </a:pPr>
+            <a:r>
               <a:t/>
             </a:r>
             <a:endParaRPr/>
@@ -902,7 +954,7 @@
   <p:cSld>
     <p:spTree>
       <p:nvGrpSpPr>
-        <p:cNvPr id="103" name="Shape 103"/>
+        <p:cNvPr id="108" name="Shape 108"/>
         <p:cNvGrpSpPr/>
         <p:nvPr/>
       </p:nvGrpSpPr>
@@ -916,7 +968,7 @@
       </p:grpSpPr>
       <p:sp>
         <p:nvSpPr>
-          <p:cNvPr id="104" name="Google Shape;104;g6e226f37d7_0_59:notes"/>
+          <p:cNvPr id="109" name="Google Shape;109;g6e226f37d7_0_59:notes"/>
           <p:cNvSpPr/>
           <p:nvPr>
             <p:ph idx="2" type="sldImg"/>
@@ -951,7 +1003,7 @@
       </p:sp>
       <p:sp>
         <p:nvSpPr>
-          <p:cNvPr id="105" name="Google Shape;105;g6e226f37d7_0_59:notes"/>
+          <p:cNvPr id="110" name="Google Shape;110;g6e226f37d7_0_59:notes"/>
           <p:cNvSpPr txBox="1"/>
           <p:nvPr>
             <p:ph idx="1" type="body"/>
@@ -1001,7 +1053,7 @@
   <p:cSld>
     <p:spTree>
       <p:nvGrpSpPr>
-        <p:cNvPr id="108" name="Shape 108"/>
+        <p:cNvPr id="113" name="Shape 113"/>
         <p:cNvGrpSpPr/>
         <p:nvPr/>
       </p:nvGrpSpPr>
@@ -1015,7 +1067,7 @@
       </p:grpSpPr>
       <p:sp>
         <p:nvSpPr>
-          <p:cNvPr id="109" name="Google Shape;109;g6e226f37d7_0_55:notes"/>
+          <p:cNvPr id="114" name="Google Shape;114;g6e226f37d7_0_55:notes"/>
           <p:cNvSpPr/>
           <p:nvPr>
             <p:ph idx="2" type="sldImg"/>
@@ -1050,7 +1102,7 @@
       </p:sp>
       <p:sp>
         <p:nvSpPr>
-          <p:cNvPr id="110" name="Google Shape;110;g6e226f37d7_0_55:notes"/>
+          <p:cNvPr id="115" name="Google Shape;115;g6e226f37d7_0_55:notes"/>
           <p:cNvSpPr txBox="1"/>
           <p:nvPr>
             <p:ph idx="1" type="body"/>
@@ -1081,7 +1133,24 @@
               <a:buNone/>
             </a:pPr>
             <a:r>
-              <a:t/>
+              <a:rPr lang="en"/>
+              <a:t>Initial guess was that the American companies would be rated worse than the non-American companies.</a:t>
+            </a:r>
+            <a:endParaRPr/>
+          </a:p>
+          <a:p>
+            <a:pPr indent="0" lvl="0" marL="0" rtl="0" algn="l">
+              <a:spcBef>
+                <a:spcPts val="0"/>
+              </a:spcBef>
+              <a:spcAft>
+                <a:spcPts val="0"/>
+              </a:spcAft>
+              <a:buNone/>
+            </a:pPr>
+            <a:r>
+              <a:rPr lang="en"/>
+              <a:t>This was MOSTLY true EXCEPT for JetBlue which had the highest average flyscore. </a:t>
             </a:r>
             <a:endParaRPr/>
           </a:p>
@@ -1100,7 +1169,7 @@
   <p:cSld>
     <p:spTree>
       <p:nvGrpSpPr>
-        <p:cNvPr id="113" name="Shape 113"/>
+        <p:cNvPr id="118" name="Shape 118"/>
         <p:cNvGrpSpPr/>
         <p:nvPr/>
       </p:nvGrpSpPr>
@@ -1114,7 +1183,7 @@
       </p:grpSpPr>
       <p:sp>
         <p:nvSpPr>
-          <p:cNvPr id="114" name="Google Shape;114;g6e226f37d7_0_63:notes"/>
+          <p:cNvPr id="119" name="Google Shape;119;g6e28df432d_0_202:notes"/>
           <p:cNvSpPr/>
           <p:nvPr>
             <p:ph idx="2" type="sldImg"/>
@@ -1149,7 +1218,7 @@
       </p:sp>
       <p:sp>
         <p:nvSpPr>
-          <p:cNvPr id="115" name="Google Shape;115;g6e226f37d7_0_63:notes"/>
+          <p:cNvPr id="120" name="Google Shape;120;g6e28df432d_0_202:notes"/>
           <p:cNvSpPr txBox="1"/>
           <p:nvPr>
             <p:ph idx="1" type="body"/>
@@ -1199,7 +1268,7 @@
   <p:cSld>
     <p:spTree>
       <p:nvGrpSpPr>
-        <p:cNvPr id="118" name="Shape 118"/>
+        <p:cNvPr id="126" name="Shape 126"/>
         <p:cNvGrpSpPr/>
         <p:nvPr/>
       </p:nvGrpSpPr>
@@ -1213,7 +1282,7 @@
       </p:grpSpPr>
       <p:sp>
         <p:nvSpPr>
-          <p:cNvPr id="119" name="Google Shape;119;g6e226f37d7_0_21:notes"/>
+          <p:cNvPr id="127" name="Google Shape;127;g6e226f37d7_0_63:notes"/>
           <p:cNvSpPr/>
           <p:nvPr>
             <p:ph idx="2" type="sldImg"/>
@@ -1248,7 +1317,7 @@
       </p:sp>
       <p:sp>
         <p:nvSpPr>
-          <p:cNvPr id="120" name="Google Shape;120;g6e226f37d7_0_21:notes"/>
+          <p:cNvPr id="128" name="Google Shape;128;g6e226f37d7_0_63:notes"/>
           <p:cNvSpPr txBox="1"/>
           <p:nvPr>
             <p:ph idx="1" type="body"/>
@@ -1279,7 +1348,24 @@
               <a:buNone/>
             </a:pPr>
             <a:r>
-              <a:t/>
+              <a:rPr lang="en"/>
+              <a:t>Distribution of flight prices are left skewed, most deals are between $0 - $400</a:t>
+            </a:r>
+            <a:endParaRPr/>
+          </a:p>
+          <a:p>
+            <a:pPr indent="0" lvl="0" marL="0" rtl="0" algn="l">
+              <a:spcBef>
+                <a:spcPts val="0"/>
+              </a:spcBef>
+              <a:spcAft>
+                <a:spcPts val="0"/>
+              </a:spcAft>
+              <a:buNone/>
+            </a:pPr>
+            <a:r>
+              <a:rPr lang="en"/>
+              <a:t>Pockets where there are little to no prices between $500 - $900 → if I am airline, I would try to discount expensive flights ($1000+) to this range in order to capture more customers that might be willing to pay this price, if available</a:t>
             </a:r>
             <a:endParaRPr/>
           </a:p>
@@ -1293,12 +1379,12 @@
 </p:notes>
 </file>
 
-<file path=ppt/notesSlides/notesSlide2.xml><?xml version="1.0" encoding="utf-8"?>
+<file path=ppt/notesSlides/notesSlide15.xml><?xml version="1.0" encoding="utf-8"?>
 <p:notes xmlns:a="http://schemas.openxmlformats.org/drawingml/2006/main" xmlns:r="http://schemas.openxmlformats.org/officeDocument/2006/relationships" xmlns:mc="http://schemas.openxmlformats.org/markup-compatibility/2006" xmlns:mv="urn:schemas-microsoft-com:mac:vml" xmlns:p="http://schemas.openxmlformats.org/presentationml/2006/main" xmlns:c="http://schemas.openxmlformats.org/drawingml/2006/chart" xmlns:dgm="http://schemas.openxmlformats.org/drawingml/2006/diagram" xmlns:o="urn:schemas-microsoft-com:office:office" xmlns:v="urn:schemas-microsoft-com:vml" xmlns:pvml="urn:schemas-microsoft-com:office:powerpoint" xmlns:com="http://schemas.openxmlformats.org/drawingml/2006/compatibility" xmlns:p14="http://schemas.microsoft.com/office/powerpoint/2010/main" xmlns:p15="http://schemas.microsoft.com/office/powerpoint/2012/main" showMasterPhAnim="0" showMasterSp="0">
   <p:cSld>
     <p:spTree>
       <p:nvGrpSpPr>
-        <p:cNvPr id="56" name="Shape 56"/>
+        <p:cNvPr id="131" name="Shape 131"/>
         <p:cNvGrpSpPr/>
         <p:nvPr/>
       </p:nvGrpSpPr>
@@ -1312,7 +1398,7 @@
       </p:grpSpPr>
       <p:sp>
         <p:nvSpPr>
-          <p:cNvPr id="57" name="Google Shape;57;g6e226f37d7_0_16:notes"/>
+          <p:cNvPr id="132" name="Google Shape;132;g6e226f37d7_0_21:notes"/>
           <p:cNvSpPr/>
           <p:nvPr>
             <p:ph idx="2" type="sldImg"/>
@@ -1347,7 +1433,7 @@
       </p:sp>
       <p:sp>
         <p:nvSpPr>
-          <p:cNvPr id="58" name="Google Shape;58;g6e226f37d7_0_16:notes"/>
+          <p:cNvPr id="133" name="Google Shape;133;g6e226f37d7_0_21:notes"/>
           <p:cNvSpPr txBox="1"/>
           <p:nvPr>
             <p:ph idx="1" type="body"/>
@@ -1378,6 +1464,56 @@
               <a:buNone/>
             </a:pPr>
             <a:r>
+              <a:rPr lang="en"/>
+              <a:t>Future work would include:</a:t>
+            </a:r>
+            <a:endParaRPr/>
+          </a:p>
+          <a:p>
+            <a:pPr indent="-298450" lvl="0" marL="457200" rtl="0" algn="l">
+              <a:spcBef>
+                <a:spcPts val="0"/>
+              </a:spcBef>
+              <a:spcAft>
+                <a:spcPts val="0"/>
+              </a:spcAft>
+              <a:buSzPts val="1100"/>
+              <a:buChar char="-"/>
+            </a:pPr>
+            <a:r>
+              <a:rPr lang="en"/>
+              <a:t>Looking at historical flight price data and trying to be predict future prices</a:t>
+            </a:r>
+            <a:endParaRPr/>
+          </a:p>
+          <a:p>
+            <a:pPr indent="-298450" lvl="0" marL="457200" rtl="0" algn="l">
+              <a:spcBef>
+                <a:spcPts val="0"/>
+              </a:spcBef>
+              <a:spcAft>
+                <a:spcPts val="0"/>
+              </a:spcAft>
+              <a:buSzPts val="1100"/>
+              <a:buChar char="-"/>
+            </a:pPr>
+            <a:r>
+              <a:rPr lang="en"/>
+              <a:t>Try to see what length of round trip flights yields the best deals e.g. 1 week vs 2 weeks vs 1 month</a:t>
+            </a:r>
+            <a:endParaRPr/>
+          </a:p>
+          <a:p>
+            <a:pPr indent="0" lvl="0" marL="0" rtl="0" algn="l">
+              <a:spcBef>
+                <a:spcPts val="0"/>
+              </a:spcBef>
+              <a:spcAft>
+                <a:spcPts val="0"/>
+              </a:spcAft>
+              <a:buNone/>
+            </a:pPr>
+            <a:r>
               <a:t/>
             </a:r>
             <a:endParaRPr/>
@@ -1392,12 +1528,12 @@
 </p:notes>
 </file>
 
-<file path=ppt/notesSlides/notesSlide3.xml><?xml version="1.0" encoding="utf-8"?>
+<file path=ppt/notesSlides/notesSlide16.xml><?xml version="1.0" encoding="utf-8"?>
 <p:notes xmlns:a="http://schemas.openxmlformats.org/drawingml/2006/main" xmlns:r="http://schemas.openxmlformats.org/officeDocument/2006/relationships" xmlns:mc="http://schemas.openxmlformats.org/markup-compatibility/2006" xmlns:mv="urn:schemas-microsoft-com:mac:vml" xmlns:p="http://schemas.openxmlformats.org/presentationml/2006/main" xmlns:c="http://schemas.openxmlformats.org/drawingml/2006/chart" xmlns:dgm="http://schemas.openxmlformats.org/drawingml/2006/diagram" xmlns:o="urn:schemas-microsoft-com:office:office" xmlns:v="urn:schemas-microsoft-com:vml" xmlns:pvml="urn:schemas-microsoft-com:office:powerpoint" xmlns:com="http://schemas.openxmlformats.org/drawingml/2006/compatibility" xmlns:p14="http://schemas.microsoft.com/office/powerpoint/2010/main" xmlns:p15="http://schemas.microsoft.com/office/powerpoint/2012/main" showMasterPhAnim="0" showMasterSp="0">
   <p:cSld>
     <p:spTree>
       <p:nvGrpSpPr>
-        <p:cNvPr id="62" name="Shape 62"/>
+        <p:cNvPr id="137" name="Shape 137"/>
         <p:cNvGrpSpPr/>
         <p:nvPr/>
       </p:nvGrpSpPr>
@@ -1411,7 +1547,7 @@
       </p:grpSpPr>
       <p:sp>
         <p:nvSpPr>
-          <p:cNvPr id="63" name="Google Shape;63;g6e226f37d7_0_1:notes"/>
+          <p:cNvPr id="138" name="Google Shape;138;g6e28df432d_0_0:notes"/>
           <p:cNvSpPr/>
           <p:nvPr>
             <p:ph idx="2" type="sldImg"/>
@@ -1446,7 +1582,7 @@
       </p:sp>
       <p:sp>
         <p:nvSpPr>
-          <p:cNvPr id="64" name="Google Shape;64;g6e226f37d7_0_1:notes"/>
+          <p:cNvPr id="139" name="Google Shape;139;g6e28df432d_0_0:notes"/>
           <p:cNvSpPr txBox="1"/>
           <p:nvPr>
             <p:ph idx="1" type="body"/>
@@ -1491,12 +1627,12 @@
 </p:notes>
 </file>
 
-<file path=ppt/notesSlides/notesSlide4.xml><?xml version="1.0" encoding="utf-8"?>
+<file path=ppt/notesSlides/notesSlide2.xml><?xml version="1.0" encoding="utf-8"?>
 <p:notes xmlns:a="http://schemas.openxmlformats.org/drawingml/2006/main" xmlns:r="http://schemas.openxmlformats.org/officeDocument/2006/relationships" xmlns:mc="http://schemas.openxmlformats.org/markup-compatibility/2006" xmlns:mv="urn:schemas-microsoft-com:mac:vml" xmlns:p="http://schemas.openxmlformats.org/presentationml/2006/main" xmlns:c="http://schemas.openxmlformats.org/drawingml/2006/chart" xmlns:dgm="http://schemas.openxmlformats.org/drawingml/2006/diagram" xmlns:o="urn:schemas-microsoft-com:office:office" xmlns:v="urn:schemas-microsoft-com:vml" xmlns:pvml="urn:schemas-microsoft-com:office:powerpoint" xmlns:com="http://schemas.openxmlformats.org/drawingml/2006/compatibility" xmlns:p14="http://schemas.microsoft.com/office/powerpoint/2010/main" xmlns:p15="http://schemas.microsoft.com/office/powerpoint/2012/main" showMasterPhAnim="0" showMasterSp="0">
   <p:cSld>
     <p:spTree>
       <p:nvGrpSpPr>
-        <p:cNvPr id="68" name="Shape 68"/>
+        <p:cNvPr id="61" name="Shape 61"/>
         <p:cNvGrpSpPr/>
         <p:nvPr/>
       </p:nvGrpSpPr>
@@ -1510,7 +1646,7 @@
       </p:grpSpPr>
       <p:sp>
         <p:nvSpPr>
-          <p:cNvPr id="69" name="Google Shape;69;g6e226f37d7_0_31:notes"/>
+          <p:cNvPr id="62" name="Google Shape;62;g6e226f37d7_0_16:notes"/>
           <p:cNvSpPr/>
           <p:nvPr>
             <p:ph idx="2" type="sldImg"/>
@@ -1545,7 +1681,7 @@
       </p:sp>
       <p:sp>
         <p:nvSpPr>
-          <p:cNvPr id="70" name="Google Shape;70;g6e226f37d7_0_31:notes"/>
+          <p:cNvPr id="63" name="Google Shape;63;g6e226f37d7_0_16:notes"/>
           <p:cNvSpPr txBox="1"/>
           <p:nvPr>
             <p:ph idx="1" type="body"/>
@@ -1576,7 +1712,8 @@
               <a:buNone/>
             </a:pPr>
             <a:r>
-              <a:t/>
+              <a:rPr lang="en"/>
+              <a:t>FlyScore is a combination of airline reviews, flight duration, comfort ratings, and amenities</a:t>
             </a:r>
             <a:endParaRPr/>
           </a:p>
@@ -1590,12 +1727,12 @@
 </p:notes>
 </file>
 
-<file path=ppt/notesSlides/notesSlide5.xml><?xml version="1.0" encoding="utf-8"?>
+<file path=ppt/notesSlides/notesSlide3.xml><?xml version="1.0" encoding="utf-8"?>
 <p:notes xmlns:a="http://schemas.openxmlformats.org/drawingml/2006/main" xmlns:r="http://schemas.openxmlformats.org/officeDocument/2006/relationships" xmlns:mc="http://schemas.openxmlformats.org/markup-compatibility/2006" xmlns:mv="urn:schemas-microsoft-com:mac:vml" xmlns:p="http://schemas.openxmlformats.org/presentationml/2006/main" xmlns:c="http://schemas.openxmlformats.org/drawingml/2006/chart" xmlns:dgm="http://schemas.openxmlformats.org/drawingml/2006/diagram" xmlns:o="urn:schemas-microsoft-com:office:office" xmlns:v="urn:schemas-microsoft-com:vml" xmlns:pvml="urn:schemas-microsoft-com:office:powerpoint" xmlns:com="http://schemas.openxmlformats.org/drawingml/2006/compatibility" xmlns:p14="http://schemas.microsoft.com/office/powerpoint/2010/main" xmlns:p15="http://schemas.microsoft.com/office/powerpoint/2012/main" showMasterPhAnim="0" showMasterSp="0">
   <p:cSld>
     <p:spTree>
       <p:nvGrpSpPr>
-        <p:cNvPr id="73" name="Shape 73"/>
+        <p:cNvPr id="67" name="Shape 67"/>
         <p:cNvGrpSpPr/>
         <p:nvPr/>
       </p:nvGrpSpPr>
@@ -1609,7 +1746,7 @@
       </p:grpSpPr>
       <p:sp>
         <p:nvSpPr>
-          <p:cNvPr id="74" name="Google Shape;74;g6e226f37d7_0_27:notes"/>
+          <p:cNvPr id="68" name="Google Shape;68;g6e226f37d7_0_1:notes"/>
           <p:cNvSpPr/>
           <p:nvPr>
             <p:ph idx="2" type="sldImg"/>
@@ -1644,7 +1781,7 @@
       </p:sp>
       <p:sp>
         <p:nvSpPr>
-          <p:cNvPr id="75" name="Google Shape;75;g6e226f37d7_0_27:notes"/>
+          <p:cNvPr id="69" name="Google Shape;69;g6e226f37d7_0_1:notes"/>
           <p:cNvSpPr txBox="1"/>
           <p:nvPr>
             <p:ph idx="1" type="body"/>
@@ -1675,7 +1812,8 @@
               <a:buNone/>
             </a:pPr>
             <a:r>
-              <a:t/>
+              <a:rPr lang="en"/>
+              <a:t>Price fluctuation, can we see any trends?</a:t>
             </a:r>
             <a:endParaRPr/>
           </a:p>
@@ -1689,12 +1827,12 @@
 </p:notes>
 </file>
 
-<file path=ppt/notesSlides/notesSlide6.xml><?xml version="1.0" encoding="utf-8"?>
+<file path=ppt/notesSlides/notesSlide4.xml><?xml version="1.0" encoding="utf-8"?>
 <p:notes xmlns:a="http://schemas.openxmlformats.org/drawingml/2006/main" xmlns:r="http://schemas.openxmlformats.org/officeDocument/2006/relationships" xmlns:mc="http://schemas.openxmlformats.org/markup-compatibility/2006" xmlns:mv="urn:schemas-microsoft-com:mac:vml" xmlns:p="http://schemas.openxmlformats.org/presentationml/2006/main" xmlns:c="http://schemas.openxmlformats.org/drawingml/2006/chart" xmlns:dgm="http://schemas.openxmlformats.org/drawingml/2006/diagram" xmlns:o="urn:schemas-microsoft-com:office:office" xmlns:v="urn:schemas-microsoft-com:vml" xmlns:pvml="urn:schemas-microsoft-com:office:powerpoint" xmlns:com="http://schemas.openxmlformats.org/drawingml/2006/compatibility" xmlns:p14="http://schemas.microsoft.com/office/powerpoint/2010/main" xmlns:p15="http://schemas.microsoft.com/office/powerpoint/2012/main" showMasterPhAnim="0" showMasterSp="0">
   <p:cSld>
     <p:spTree>
       <p:nvGrpSpPr>
-        <p:cNvPr id="78" name="Shape 78"/>
+        <p:cNvPr id="73" name="Shape 73"/>
         <p:cNvGrpSpPr/>
         <p:nvPr/>
       </p:nvGrpSpPr>
@@ -1708,7 +1846,7 @@
       </p:grpSpPr>
       <p:sp>
         <p:nvSpPr>
-          <p:cNvPr id="79" name="Google Shape;79;g6e226f37d7_0_6:notes"/>
+          <p:cNvPr id="74" name="Google Shape;74;g6e226f37d7_0_31:notes"/>
           <p:cNvSpPr/>
           <p:nvPr>
             <p:ph idx="2" type="sldImg"/>
@@ -1743,7 +1881,7 @@
       </p:sp>
       <p:sp>
         <p:nvSpPr>
-          <p:cNvPr id="80" name="Google Shape;80;g6e226f37d7_0_6:notes"/>
+          <p:cNvPr id="75" name="Google Shape;75;g6e226f37d7_0_31:notes"/>
           <p:cNvSpPr txBox="1"/>
           <p:nvPr>
             <p:ph idx="1" type="body"/>
@@ -1774,7 +1912,8 @@
               <a:buNone/>
             </a:pPr>
             <a:r>
-              <a:t/>
+              <a:rPr lang="en"/>
+              <a:t>Are there any trends? Seasonal patterns? Cheapest and most expensive times?</a:t>
             </a:r>
             <a:endParaRPr/>
           </a:p>
@@ -1788,12 +1927,12 @@
 </p:notes>
 </file>
 
-<file path=ppt/notesSlides/notesSlide7.xml><?xml version="1.0" encoding="utf-8"?>
+<file path=ppt/notesSlides/notesSlide5.xml><?xml version="1.0" encoding="utf-8"?>
 <p:notes xmlns:a="http://schemas.openxmlformats.org/drawingml/2006/main" xmlns:r="http://schemas.openxmlformats.org/officeDocument/2006/relationships" xmlns:mc="http://schemas.openxmlformats.org/markup-compatibility/2006" xmlns:mv="urn:schemas-microsoft-com:mac:vml" xmlns:p="http://schemas.openxmlformats.org/presentationml/2006/main" xmlns:c="http://schemas.openxmlformats.org/drawingml/2006/chart" xmlns:dgm="http://schemas.openxmlformats.org/drawingml/2006/diagram" xmlns:o="urn:schemas-microsoft-com:office:office" xmlns:v="urn:schemas-microsoft-com:vml" xmlns:pvml="urn:schemas-microsoft-com:office:powerpoint" xmlns:com="http://schemas.openxmlformats.org/drawingml/2006/compatibility" xmlns:p14="http://schemas.microsoft.com/office/powerpoint/2010/main" xmlns:p15="http://schemas.microsoft.com/office/powerpoint/2012/main" showMasterPhAnim="0" showMasterSp="0">
   <p:cSld>
     <p:spTree>
       <p:nvGrpSpPr>
-        <p:cNvPr id="83" name="Shape 83"/>
+        <p:cNvPr id="78" name="Shape 78"/>
         <p:cNvGrpSpPr/>
         <p:nvPr/>
       </p:nvGrpSpPr>
@@ -1807,7 +1946,7 @@
       </p:grpSpPr>
       <p:sp>
         <p:nvSpPr>
-          <p:cNvPr id="84" name="Google Shape;84;g6e226f37d7_0_38:notes"/>
+          <p:cNvPr id="79" name="Google Shape;79;g6e226f37d7_0_27:notes"/>
           <p:cNvSpPr/>
           <p:nvPr>
             <p:ph idx="2" type="sldImg"/>
@@ -1842,7 +1981,7 @@
       </p:sp>
       <p:sp>
         <p:nvSpPr>
-          <p:cNvPr id="85" name="Google Shape;85;g6e226f37d7_0_38:notes"/>
+          <p:cNvPr id="80" name="Google Shape;80;g6e226f37d7_0_27:notes"/>
           <p:cNvSpPr txBox="1"/>
           <p:nvPr>
             <p:ph idx="1" type="body"/>
@@ -1873,6 +2012,54 @@
               <a:buNone/>
             </a:pPr>
             <a:r>
+              <a:rPr lang="en"/>
+              <a:t>Highest peaks are in February/March, June/July, October, December → average price of flights are highest during the middle of a season</a:t>
+            </a:r>
+            <a:endParaRPr/>
+          </a:p>
+          <a:p>
+            <a:pPr indent="0" lvl="0" marL="0" rtl="0" algn="l">
+              <a:spcBef>
+                <a:spcPts val="0"/>
+              </a:spcBef>
+              <a:spcAft>
+                <a:spcPts val="0"/>
+              </a:spcAft>
+              <a:buNone/>
+            </a:pPr>
+            <a:r>
+              <a:rPr lang="en"/>
+              <a:t>Mid December (right before the holidays) prices drop approximately $300 then jump up</a:t>
+            </a:r>
+            <a:endParaRPr/>
+          </a:p>
+          <a:p>
+            <a:pPr indent="0" lvl="0" marL="0" rtl="0" algn="l">
+              <a:spcBef>
+                <a:spcPts val="0"/>
+              </a:spcBef>
+              <a:spcAft>
+                <a:spcPts val="0"/>
+              </a:spcAft>
+              <a:buNone/>
+            </a:pPr>
+            <a:r>
+              <a:rPr lang="en"/>
+              <a:t>September prices have least variance and average price remains relatively constant</a:t>
+            </a:r>
+            <a:endParaRPr/>
+          </a:p>
+          <a:p>
+            <a:pPr indent="0" lvl="0" marL="0" rtl="0" algn="l">
+              <a:spcBef>
+                <a:spcPts val="0"/>
+              </a:spcBef>
+              <a:spcAft>
+                <a:spcPts val="0"/>
+              </a:spcAft>
+              <a:buNone/>
+            </a:pPr>
+            <a:r>
               <a:t/>
             </a:r>
             <a:endParaRPr/>
@@ -1887,12 +2074,12 @@
 </p:notes>
 </file>
 
-<file path=ppt/notesSlides/notesSlide8.xml><?xml version="1.0" encoding="utf-8"?>
+<file path=ppt/notesSlides/notesSlide6.xml><?xml version="1.0" encoding="utf-8"?>
 <p:notes xmlns:a="http://schemas.openxmlformats.org/drawingml/2006/main" xmlns:r="http://schemas.openxmlformats.org/officeDocument/2006/relationships" xmlns:mc="http://schemas.openxmlformats.org/markup-compatibility/2006" xmlns:mv="urn:schemas-microsoft-com:mac:vml" xmlns:p="http://schemas.openxmlformats.org/presentationml/2006/main" xmlns:c="http://schemas.openxmlformats.org/drawingml/2006/chart" xmlns:dgm="http://schemas.openxmlformats.org/drawingml/2006/diagram" xmlns:o="urn:schemas-microsoft-com:office:office" xmlns:v="urn:schemas-microsoft-com:vml" xmlns:pvml="urn:schemas-microsoft-com:office:powerpoint" xmlns:com="http://schemas.openxmlformats.org/drawingml/2006/compatibility" xmlns:p14="http://schemas.microsoft.com/office/powerpoint/2010/main" xmlns:p15="http://schemas.microsoft.com/office/powerpoint/2012/main" showMasterPhAnim="0" showMasterSp="0">
   <p:cSld>
     <p:spTree>
       <p:nvGrpSpPr>
-        <p:cNvPr id="88" name="Shape 88"/>
+        <p:cNvPr id="83" name="Shape 83"/>
         <p:cNvGrpSpPr/>
         <p:nvPr/>
       </p:nvGrpSpPr>
@@ -1906,7 +2093,7 @@
       </p:grpSpPr>
       <p:sp>
         <p:nvSpPr>
-          <p:cNvPr id="89" name="Google Shape;89;g6e226f37d7_0_35:notes"/>
+          <p:cNvPr id="84" name="Google Shape;84;g6e226f37d7_0_6:notes"/>
           <p:cNvSpPr/>
           <p:nvPr>
             <p:ph idx="2" type="sldImg"/>
@@ -1941,7 +2128,7 @@
       </p:sp>
       <p:sp>
         <p:nvSpPr>
-          <p:cNvPr id="90" name="Google Shape;90;g6e226f37d7_0_35:notes"/>
+          <p:cNvPr id="85" name="Google Shape;85;g6e226f37d7_0_6:notes"/>
           <p:cNvSpPr txBox="1"/>
           <p:nvPr>
             <p:ph idx="1" type="body"/>
@@ -1972,7 +2159,24 @@
               <a:buNone/>
             </a:pPr>
             <a:r>
-              <a:t/>
+              <a:rPr lang="en"/>
+              <a:t>March, May, and September have the lowest average prices for a majority of the destinations</a:t>
+            </a:r>
+            <a:endParaRPr/>
+          </a:p>
+          <a:p>
+            <a:pPr indent="0" lvl="0" marL="0" rtl="0" algn="l">
+              <a:spcBef>
+                <a:spcPts val="0"/>
+              </a:spcBef>
+              <a:spcAft>
+                <a:spcPts val="0"/>
+              </a:spcAft>
+              <a:buNone/>
+            </a:pPr>
+            <a:r>
+              <a:rPr lang="en"/>
+              <a:t>Prices to Chicago (ORD) drop from October to December while all other airports increase (it’s cold out there)</a:t>
             </a:r>
             <a:endParaRPr/>
           </a:p>
@@ -1986,12 +2190,12 @@
 </p:notes>
 </file>
 
-<file path=ppt/notesSlides/notesSlide9.xml><?xml version="1.0" encoding="utf-8"?>
+<file path=ppt/notesSlides/notesSlide7.xml><?xml version="1.0" encoding="utf-8"?>
 <p:notes xmlns:a="http://schemas.openxmlformats.org/drawingml/2006/main" xmlns:r="http://schemas.openxmlformats.org/officeDocument/2006/relationships" xmlns:mc="http://schemas.openxmlformats.org/markup-compatibility/2006" xmlns:mv="urn:schemas-microsoft-com:mac:vml" xmlns:p="http://schemas.openxmlformats.org/presentationml/2006/main" xmlns:c="http://schemas.openxmlformats.org/drawingml/2006/chart" xmlns:dgm="http://schemas.openxmlformats.org/drawingml/2006/diagram" xmlns:o="urn:schemas-microsoft-com:office:office" xmlns:v="urn:schemas-microsoft-com:vml" xmlns:pvml="urn:schemas-microsoft-com:office:powerpoint" xmlns:com="http://schemas.openxmlformats.org/drawingml/2006/compatibility" xmlns:p14="http://schemas.microsoft.com/office/powerpoint/2010/main" xmlns:p15="http://schemas.microsoft.com/office/powerpoint/2012/main" showMasterPhAnim="0" showMasterSp="0">
   <p:cSld>
     <p:spTree>
       <p:nvGrpSpPr>
-        <p:cNvPr id="93" name="Shape 93"/>
+        <p:cNvPr id="88" name="Shape 88"/>
         <p:cNvGrpSpPr/>
         <p:nvPr/>
       </p:nvGrpSpPr>
@@ -2005,7 +2209,7 @@
       </p:grpSpPr>
       <p:sp>
         <p:nvSpPr>
-          <p:cNvPr id="94" name="Google Shape;94;g6e226f37d7_0_43:notes"/>
+          <p:cNvPr id="89" name="Google Shape;89;g6e226f37d7_0_38:notes"/>
           <p:cNvSpPr/>
           <p:nvPr>
             <p:ph idx="2" type="sldImg"/>
@@ -2040,7 +2244,254 @@
       </p:sp>
       <p:sp>
         <p:nvSpPr>
-          <p:cNvPr id="95" name="Google Shape;95;g6e226f37d7_0_43:notes"/>
+          <p:cNvPr id="90" name="Google Shape;90;g6e226f37d7_0_38:notes"/>
+          <p:cNvSpPr txBox="1"/>
+          <p:nvPr>
+            <p:ph idx="1" type="body"/>
+          </p:nvPr>
+        </p:nvSpPr>
+        <p:spPr>
+          <a:xfrm>
+            <a:off x="685800" y="4343400"/>
+            <a:ext cx="5486400" cy="4114800"/>
+          </a:xfrm>
+          <a:prstGeom prst="rect">
+            <a:avLst/>
+          </a:prstGeom>
+        </p:spPr>
+        <p:txBody>
+          <a:bodyPr anchorCtr="0" anchor="t" bIns="91425" lIns="91425" spcFirstLastPara="1" rIns="91425" wrap="square" tIns="91425">
+            <a:noAutofit/>
+          </a:bodyPr>
+          <a:lstStyle/>
+          <a:p>
+            <a:pPr indent="0" lvl="0" marL="0" rtl="0" algn="l">
+              <a:spcBef>
+                <a:spcPts val="0"/>
+              </a:spcBef>
+              <a:spcAft>
+                <a:spcPts val="0"/>
+              </a:spcAft>
+              <a:buNone/>
+            </a:pPr>
+            <a:r>
+              <a:rPr lang="en"/>
+              <a:t>Always heard that Tuesday is the best day to fly for cheap. Is this really true though? Let’s see if the data backs it up</a:t>
+            </a:r>
+            <a:endParaRPr/>
+          </a:p>
+        </p:txBody>
+      </p:sp>
+    </p:spTree>
+  </p:cSld>
+  <p:clrMapOvr>
+    <a:masterClrMapping/>
+  </p:clrMapOvr>
+</p:notes>
+</file>
+
+<file path=ppt/notesSlides/notesSlide8.xml><?xml version="1.0" encoding="utf-8"?>
+<p:notes xmlns:a="http://schemas.openxmlformats.org/drawingml/2006/main" xmlns:r="http://schemas.openxmlformats.org/officeDocument/2006/relationships" xmlns:mc="http://schemas.openxmlformats.org/markup-compatibility/2006" xmlns:mv="urn:schemas-microsoft-com:mac:vml" xmlns:p="http://schemas.openxmlformats.org/presentationml/2006/main" xmlns:c="http://schemas.openxmlformats.org/drawingml/2006/chart" xmlns:dgm="http://schemas.openxmlformats.org/drawingml/2006/diagram" xmlns:o="urn:schemas-microsoft-com:office:office" xmlns:v="urn:schemas-microsoft-com:vml" xmlns:pvml="urn:schemas-microsoft-com:office:powerpoint" xmlns:com="http://schemas.openxmlformats.org/drawingml/2006/compatibility" xmlns:p14="http://schemas.microsoft.com/office/powerpoint/2010/main" xmlns:p15="http://schemas.microsoft.com/office/powerpoint/2012/main" showMasterPhAnim="0" showMasterSp="0">
+  <p:cSld>
+    <p:spTree>
+      <p:nvGrpSpPr>
+        <p:cNvPr id="93" name="Shape 93"/>
+        <p:cNvGrpSpPr/>
+        <p:nvPr/>
+      </p:nvGrpSpPr>
+      <p:grpSpPr>
+        <a:xfrm>
+          <a:off x="0" y="0"/>
+          <a:ext cx="0" cy="0"/>
+          <a:chOff x="0" y="0"/>
+          <a:chExt cx="0" cy="0"/>
+        </a:xfrm>
+      </p:grpSpPr>
+      <p:sp>
+        <p:nvSpPr>
+          <p:cNvPr id="94" name="Google Shape;94;g6e226f37d7_0_35:notes"/>
+          <p:cNvSpPr/>
+          <p:nvPr>
+            <p:ph idx="2" type="sldImg"/>
+          </p:nvPr>
+        </p:nvSpPr>
+        <p:spPr>
+          <a:xfrm>
+            <a:off x="381300" y="685800"/>
+            <a:ext cx="6096000" cy="3429000"/>
+          </a:xfrm>
+          <a:custGeom>
+            <a:rect b="b" l="l" r="r" t="t"/>
+            <a:pathLst>
+              <a:path extrusionOk="0" h="120000" w="120000">
+                <a:moveTo>
+                  <a:pt x="0" y="0"/>
+                </a:moveTo>
+                <a:lnTo>
+                  <a:pt x="120000" y="0"/>
+                </a:lnTo>
+                <a:lnTo>
+                  <a:pt x="120000" y="120000"/>
+                </a:lnTo>
+                <a:lnTo>
+                  <a:pt x="0" y="120000"/>
+                </a:lnTo>
+                <a:close/>
+              </a:path>
+            </a:pathLst>
+          </a:custGeom>
+        </p:spPr>
+      </p:sp>
+      <p:sp>
+        <p:nvSpPr>
+          <p:cNvPr id="95" name="Google Shape;95;g6e226f37d7_0_35:notes"/>
+          <p:cNvSpPr txBox="1"/>
+          <p:nvPr>
+            <p:ph idx="1" type="body"/>
+          </p:nvPr>
+        </p:nvSpPr>
+        <p:spPr>
+          <a:xfrm>
+            <a:off x="685800" y="4343400"/>
+            <a:ext cx="5486400" cy="4114800"/>
+          </a:xfrm>
+          <a:prstGeom prst="rect">
+            <a:avLst/>
+          </a:prstGeom>
+        </p:spPr>
+        <p:txBody>
+          <a:bodyPr anchorCtr="0" anchor="t" bIns="91425" lIns="91425" spcFirstLastPara="1" rIns="91425" wrap="square" tIns="91425">
+            <a:noAutofit/>
+          </a:bodyPr>
+          <a:lstStyle/>
+          <a:p>
+            <a:pPr indent="0" lvl="0" marL="0" rtl="0" algn="l">
+              <a:spcBef>
+                <a:spcPts val="0"/>
+              </a:spcBef>
+              <a:spcAft>
+                <a:spcPts val="0"/>
+              </a:spcAft>
+              <a:buNone/>
+            </a:pPr>
+            <a:r>
+              <a:rPr lang="en"/>
+              <a:t>Median price of flights is lowest on Tuesdays, but not by a large margin compared to other days.</a:t>
+            </a:r>
+            <a:endParaRPr/>
+          </a:p>
+          <a:p>
+            <a:pPr indent="0" lvl="0" marL="0" rtl="0" algn="l">
+              <a:spcBef>
+                <a:spcPts val="0"/>
+              </a:spcBef>
+              <a:spcAft>
+                <a:spcPts val="0"/>
+              </a:spcAft>
+              <a:buNone/>
+            </a:pPr>
+            <a:r>
+              <a:rPr lang="en"/>
+              <a:t>However, the IQR of Tuesday is the smallest meaning that price variation on Tuesdays is at a minimum</a:t>
+            </a:r>
+            <a:endParaRPr/>
+          </a:p>
+          <a:p>
+            <a:pPr indent="0" lvl="0" marL="0" rtl="0" algn="l">
+              <a:spcBef>
+                <a:spcPts val="0"/>
+              </a:spcBef>
+              <a:spcAft>
+                <a:spcPts val="0"/>
+              </a:spcAft>
+              <a:buNone/>
+            </a:pPr>
+            <a:r>
+              <a:t/>
+            </a:r>
+            <a:endParaRPr/>
+          </a:p>
+          <a:p>
+            <a:pPr indent="0" lvl="0" marL="0" rtl="0" algn="l">
+              <a:spcBef>
+                <a:spcPts val="0"/>
+              </a:spcBef>
+              <a:spcAft>
+                <a:spcPts val="0"/>
+              </a:spcAft>
+              <a:buNone/>
+            </a:pPr>
+            <a:r>
+              <a:rPr lang="en"/>
+              <a:t>Thursday, Friday and Saturday are equally the worst days to fly (weekend travel makes sense)</a:t>
+            </a:r>
+            <a:endParaRPr/>
+          </a:p>
+        </p:txBody>
+      </p:sp>
+    </p:spTree>
+  </p:cSld>
+  <p:clrMapOvr>
+    <a:masterClrMapping/>
+  </p:clrMapOvr>
+</p:notes>
+</file>
+
+<file path=ppt/notesSlides/notesSlide9.xml><?xml version="1.0" encoding="utf-8"?>
+<p:notes xmlns:a="http://schemas.openxmlformats.org/drawingml/2006/main" xmlns:r="http://schemas.openxmlformats.org/officeDocument/2006/relationships" xmlns:mc="http://schemas.openxmlformats.org/markup-compatibility/2006" xmlns:mv="urn:schemas-microsoft-com:mac:vml" xmlns:p="http://schemas.openxmlformats.org/presentationml/2006/main" xmlns:c="http://schemas.openxmlformats.org/drawingml/2006/chart" xmlns:dgm="http://schemas.openxmlformats.org/drawingml/2006/diagram" xmlns:o="urn:schemas-microsoft-com:office:office" xmlns:v="urn:schemas-microsoft-com:vml" xmlns:pvml="urn:schemas-microsoft-com:office:powerpoint" xmlns:com="http://schemas.openxmlformats.org/drawingml/2006/compatibility" xmlns:p14="http://schemas.microsoft.com/office/powerpoint/2010/main" xmlns:p15="http://schemas.microsoft.com/office/powerpoint/2012/main" showMasterPhAnim="0" showMasterSp="0">
+  <p:cSld>
+    <p:spTree>
+      <p:nvGrpSpPr>
+        <p:cNvPr id="98" name="Shape 98"/>
+        <p:cNvGrpSpPr/>
+        <p:nvPr/>
+      </p:nvGrpSpPr>
+      <p:grpSpPr>
+        <a:xfrm>
+          <a:off x="0" y="0"/>
+          <a:ext cx="0" cy="0"/>
+          <a:chOff x="0" y="0"/>
+          <a:chExt cx="0" cy="0"/>
+        </a:xfrm>
+      </p:grpSpPr>
+      <p:sp>
+        <p:nvSpPr>
+          <p:cNvPr id="99" name="Google Shape;99;g6e226f37d7_0_43:notes"/>
+          <p:cNvSpPr/>
+          <p:nvPr>
+            <p:ph idx="2" type="sldImg"/>
+          </p:nvPr>
+        </p:nvSpPr>
+        <p:spPr>
+          <a:xfrm>
+            <a:off x="381300" y="685800"/>
+            <a:ext cx="6096000" cy="3429000"/>
+          </a:xfrm>
+          <a:custGeom>
+            <a:rect b="b" l="l" r="r" t="t"/>
+            <a:pathLst>
+              <a:path extrusionOk="0" h="120000" w="120000">
+                <a:moveTo>
+                  <a:pt x="0" y="0"/>
+                </a:moveTo>
+                <a:lnTo>
+                  <a:pt x="120000" y="0"/>
+                </a:lnTo>
+                <a:lnTo>
+                  <a:pt x="120000" y="120000"/>
+                </a:lnTo>
+                <a:lnTo>
+                  <a:pt x="0" y="120000"/>
+                </a:lnTo>
+                <a:close/>
+              </a:path>
+            </a:pathLst>
+          </a:custGeom>
+        </p:spPr>
+      </p:sp>
+      <p:sp>
+        <p:nvSpPr>
+          <p:cNvPr id="100" name="Google Shape;100;g6e226f37d7_0_43:notes"/>
           <p:cNvSpPr txBox="1"/>
           <p:nvPr>
             <p:ph idx="1" type="body"/>
@@ -2102,9 +2553,153 @@
           <a:chExt cx="0" cy="0"/>
         </a:xfrm>
       </p:grpSpPr>
+      <p:grpSp>
+        <p:nvGrpSpPr>
+          <p:cNvPr id="10" name="Google Shape;10;p2"/>
+          <p:cNvGrpSpPr/>
+          <p:nvPr/>
+        </p:nvGrpSpPr>
+        <p:grpSpPr>
+          <a:xfrm>
+            <a:off x="4350279" y="2855377"/>
+            <a:ext cx="443589" cy="105632"/>
+            <a:chOff x="4137525" y="2915950"/>
+            <a:chExt cx="869100" cy="207000"/>
+          </a:xfrm>
+        </p:grpSpPr>
+        <p:sp>
+          <p:nvSpPr>
+            <p:cNvPr id="11" name="Google Shape;11;p2"/>
+            <p:cNvSpPr/>
+            <p:nvPr/>
+          </p:nvSpPr>
+          <p:spPr>
+            <a:xfrm>
+              <a:off x="4468575" y="2915950"/>
+              <a:ext cx="207000" cy="207000"/>
+            </a:xfrm>
+            <a:prstGeom prst="ellipse">
+              <a:avLst/>
+            </a:prstGeom>
+            <a:solidFill>
+              <a:schemeClr val="dk1"/>
+            </a:solidFill>
+            <a:ln>
+              <a:noFill/>
+            </a:ln>
+          </p:spPr>
+          <p:txBody>
+            <a:bodyPr anchorCtr="0" anchor="ctr" bIns="91425" lIns="91425" spcFirstLastPara="1" rIns="91425" wrap="square" tIns="91425">
+              <a:noAutofit/>
+            </a:bodyPr>
+            <a:lstStyle/>
+            <a:p>
+              <a:pPr indent="0" lvl="0" marL="0" rtl="0" algn="l">
+                <a:spcBef>
+                  <a:spcPts val="0"/>
+                </a:spcBef>
+                <a:spcAft>
+                  <a:spcPts val="0"/>
+                </a:spcAft>
+                <a:buNone/>
+              </a:pPr>
+              <a:r>
+                <a:t/>
+              </a:r>
+              <a:endParaRPr/>
+            </a:p>
+          </p:txBody>
+        </p:sp>
+        <p:sp>
+          <p:nvSpPr>
+            <p:cNvPr id="12" name="Google Shape;12;p2"/>
+            <p:cNvSpPr/>
+            <p:nvPr/>
+          </p:nvSpPr>
+          <p:spPr>
+            <a:xfrm>
+              <a:off x="4799625" y="2915950"/>
+              <a:ext cx="207000" cy="207000"/>
+            </a:xfrm>
+            <a:prstGeom prst="ellipse">
+              <a:avLst/>
+            </a:prstGeom>
+            <a:solidFill>
+              <a:schemeClr val="dk1"/>
+            </a:solidFill>
+            <a:ln>
+              <a:noFill/>
+            </a:ln>
+          </p:spPr>
+          <p:txBody>
+            <a:bodyPr anchorCtr="0" anchor="ctr" bIns="91425" lIns="91425" spcFirstLastPara="1" rIns="91425" wrap="square" tIns="91425">
+              <a:noAutofit/>
+            </a:bodyPr>
+            <a:lstStyle/>
+            <a:p>
+              <a:pPr indent="0" lvl="0" marL="0" rtl="0" algn="l">
+                <a:spcBef>
+                  <a:spcPts val="0"/>
+                </a:spcBef>
+                <a:spcAft>
+                  <a:spcPts val="0"/>
+                </a:spcAft>
+                <a:buNone/>
+              </a:pPr>
+              <a:r>
+                <a:t/>
+              </a:r>
+              <a:endParaRPr/>
+            </a:p>
+          </p:txBody>
+        </p:sp>
+        <p:sp>
+          <p:nvSpPr>
+            <p:cNvPr id="13" name="Google Shape;13;p2"/>
+            <p:cNvSpPr/>
+            <p:nvPr/>
+          </p:nvSpPr>
+          <p:spPr>
+            <a:xfrm>
+              <a:off x="4137525" y="2915950"/>
+              <a:ext cx="207000" cy="207000"/>
+            </a:xfrm>
+            <a:prstGeom prst="ellipse">
+              <a:avLst/>
+            </a:prstGeom>
+            <a:solidFill>
+              <a:schemeClr val="dk1"/>
+            </a:solidFill>
+            <a:ln>
+              <a:noFill/>
+            </a:ln>
+          </p:spPr>
+          <p:txBody>
+            <a:bodyPr anchorCtr="0" anchor="ctr" bIns="91425" lIns="91425" spcFirstLastPara="1" rIns="91425" wrap="square" tIns="91425">
+              <a:noAutofit/>
+            </a:bodyPr>
+            <a:lstStyle/>
+            <a:p>
+              <a:pPr indent="0" lvl="0" marL="0" rtl="0" algn="l">
+                <a:spcBef>
+                  <a:spcPts val="0"/>
+                </a:spcBef>
+                <a:spcAft>
+                  <a:spcPts val="0"/>
+                </a:spcAft>
+                <a:buNone/>
+              </a:pPr>
+              <a:r>
+                <a:t/>
+              </a:r>
+              <a:endParaRPr/>
+            </a:p>
+          </p:txBody>
+        </p:sp>
+      </p:grpSp>
       <p:sp>
         <p:nvSpPr>
-          <p:cNvPr id="10" name="Google Shape;10;p2"/>
+          <p:cNvPr id="14" name="Google Shape;14;p2"/>
           <p:cNvSpPr txBox="1"/>
           <p:nvPr>
             <p:ph type="ctrTitle"/>
@@ -2112,8 +2707,8 @@
         </p:nvSpPr>
         <p:spPr>
           <a:xfrm>
-            <a:off x="311708" y="744575"/>
-            <a:ext cx="8520600" cy="2052600"/>
+            <a:off x="671258" y="990800"/>
+            <a:ext cx="7801500" cy="1730100"/>
           </a:xfrm>
           <a:prstGeom prst="rect">
             <a:avLst/>
@@ -2131,9 +2726,9 @@
               <a:spcAft>
                 <a:spcPts val="0"/>
               </a:spcAft>
-              <a:buSzPts val="5200"/>
-              <a:buNone/>
-              <a:defRPr sz="5200"/>
+              <a:buSzPts val="4800"/>
+              <a:buNone/>
+              <a:defRPr sz="4800"/>
             </a:lvl1pPr>
             <a:lvl2pPr lvl="1" algn="ctr">
               <a:spcBef>
@@ -2142,9 +2737,9 @@
               <a:spcAft>
                 <a:spcPts val="0"/>
               </a:spcAft>
-              <a:buSzPts val="5200"/>
-              <a:buNone/>
-              <a:defRPr sz="5200"/>
+              <a:buSzPts val="4800"/>
+              <a:buNone/>
+              <a:defRPr sz="4800"/>
             </a:lvl2pPr>
             <a:lvl3pPr lvl="2" algn="ctr">
               <a:spcBef>
@@ -2153,9 +2748,9 @@
               <a:spcAft>
                 <a:spcPts val="0"/>
               </a:spcAft>
-              <a:buSzPts val="5200"/>
-              <a:buNone/>
-              <a:defRPr sz="5200"/>
+              <a:buSzPts val="4800"/>
+              <a:buNone/>
+              <a:defRPr sz="4800"/>
             </a:lvl3pPr>
             <a:lvl4pPr lvl="3" algn="ctr">
               <a:spcBef>
@@ -2164,9 +2759,9 @@
               <a:spcAft>
                 <a:spcPts val="0"/>
               </a:spcAft>
-              <a:buSzPts val="5200"/>
-              <a:buNone/>
-              <a:defRPr sz="5200"/>
+              <a:buSzPts val="4800"/>
+              <a:buNone/>
+              <a:defRPr sz="4800"/>
             </a:lvl4pPr>
             <a:lvl5pPr lvl="4" algn="ctr">
               <a:spcBef>
@@ -2175,9 +2770,9 @@
               <a:spcAft>
                 <a:spcPts val="0"/>
               </a:spcAft>
-              <a:buSzPts val="5200"/>
-              <a:buNone/>
-              <a:defRPr sz="5200"/>
+              <a:buSzPts val="4800"/>
+              <a:buNone/>
+              <a:defRPr sz="4800"/>
             </a:lvl5pPr>
             <a:lvl6pPr lvl="5" algn="ctr">
               <a:spcBef>
@@ -2186,9 +2781,9 @@
               <a:spcAft>
                 <a:spcPts val="0"/>
               </a:spcAft>
-              <a:buSzPts val="5200"/>
-              <a:buNone/>
-              <a:defRPr sz="5200"/>
+              <a:buSzPts val="4800"/>
+              <a:buNone/>
+              <a:defRPr sz="4800"/>
             </a:lvl6pPr>
             <a:lvl7pPr lvl="6" algn="ctr">
               <a:spcBef>
@@ -2197,9 +2792,9 @@
               <a:spcAft>
                 <a:spcPts val="0"/>
               </a:spcAft>
-              <a:buSzPts val="5200"/>
-              <a:buNone/>
-              <a:defRPr sz="5200"/>
+              <a:buSzPts val="4800"/>
+              <a:buNone/>
+              <a:defRPr sz="4800"/>
             </a:lvl7pPr>
             <a:lvl8pPr lvl="7" algn="ctr">
               <a:spcBef>
@@ -2208,9 +2803,9 @@
               <a:spcAft>
                 <a:spcPts val="0"/>
               </a:spcAft>
-              <a:buSzPts val="5200"/>
-              <a:buNone/>
-              <a:defRPr sz="5200"/>
+              <a:buSzPts val="4800"/>
+              <a:buNone/>
+              <a:defRPr sz="4800"/>
             </a:lvl8pPr>
             <a:lvl9pPr lvl="8" algn="ctr">
               <a:spcBef>
@@ -2219,9 +2814,9 @@
               <a:spcAft>
                 <a:spcPts val="0"/>
               </a:spcAft>
-              <a:buSzPts val="5200"/>
-              <a:buNone/>
-              <a:defRPr sz="5200"/>
+              <a:buSzPts val="4800"/>
+              <a:buNone/>
+              <a:defRPr sz="4800"/>
             </a:lvl9pPr>
           </a:lstStyle>
           <a:p/>
@@ -2229,7 +2824,7 @@
       </p:sp>
       <p:sp>
         <p:nvSpPr>
-          <p:cNvPr id="11" name="Google Shape;11;p2"/>
+          <p:cNvPr id="15" name="Google Shape;15;p2"/>
           <p:cNvSpPr txBox="1"/>
           <p:nvPr>
             <p:ph idx="1" type="subTitle"/>
@@ -2237,8 +2832,8 @@
         </p:nvSpPr>
         <p:spPr>
           <a:xfrm>
-            <a:off x="311700" y="2834125"/>
-            <a:ext cx="8520600" cy="792600"/>
+            <a:off x="671250" y="3174876"/>
+            <a:ext cx="7801500" cy="792600"/>
           </a:xfrm>
           <a:prstGeom prst="rect">
             <a:avLst/>
@@ -2259,9 +2854,9 @@
               <a:spcAft>
                 <a:spcPts val="0"/>
               </a:spcAft>
-              <a:buSzPts val="2800"/>
-              <a:buNone/>
-              <a:defRPr sz="2800"/>
+              <a:buSzPts val="2100"/>
+              <a:buNone/>
+              <a:defRPr sz="2100"/>
             </a:lvl1pPr>
             <a:lvl2pPr lvl="1" algn="ctr">
               <a:lnSpc>
@@ -2273,9 +2868,9 @@
               <a:spcAft>
                 <a:spcPts val="0"/>
               </a:spcAft>
-              <a:buSzPts val="2800"/>
-              <a:buNone/>
-              <a:defRPr sz="2800"/>
+              <a:buSzPts val="2100"/>
+              <a:buNone/>
+              <a:defRPr sz="2100"/>
             </a:lvl2pPr>
             <a:lvl3pPr lvl="2" algn="ctr">
               <a:lnSpc>
@@ -2287,9 +2882,9 @@
               <a:spcAft>
                 <a:spcPts val="0"/>
               </a:spcAft>
-              <a:buSzPts val="2800"/>
-              <a:buNone/>
-              <a:defRPr sz="2800"/>
+              <a:buSzPts val="2100"/>
+              <a:buNone/>
+              <a:defRPr sz="2100"/>
             </a:lvl3pPr>
             <a:lvl4pPr lvl="3" algn="ctr">
               <a:lnSpc>
@@ -2301,9 +2896,9 @@
               <a:spcAft>
                 <a:spcPts val="0"/>
               </a:spcAft>
-              <a:buSzPts val="2800"/>
-              <a:buNone/>
-              <a:defRPr sz="2800"/>
+              <a:buSzPts val="2100"/>
+              <a:buNone/>
+              <a:defRPr sz="2100"/>
             </a:lvl4pPr>
             <a:lvl5pPr lvl="4" algn="ctr">
               <a:lnSpc>
@@ -2315,9 +2910,9 @@
               <a:spcAft>
                 <a:spcPts val="0"/>
               </a:spcAft>
-              <a:buSzPts val="2800"/>
-              <a:buNone/>
-              <a:defRPr sz="2800"/>
+              <a:buSzPts val="2100"/>
+              <a:buNone/>
+              <a:defRPr sz="2100"/>
             </a:lvl5pPr>
             <a:lvl6pPr lvl="5" algn="ctr">
               <a:lnSpc>
@@ -2329,9 +2924,9 @@
               <a:spcAft>
                 <a:spcPts val="0"/>
               </a:spcAft>
-              <a:buSzPts val="2800"/>
-              <a:buNone/>
-              <a:defRPr sz="2800"/>
+              <a:buSzPts val="2100"/>
+              <a:buNone/>
+              <a:defRPr sz="2100"/>
             </a:lvl6pPr>
             <a:lvl7pPr lvl="6" algn="ctr">
               <a:lnSpc>
@@ -2343,9 +2938,9 @@
               <a:spcAft>
                 <a:spcPts val="0"/>
               </a:spcAft>
-              <a:buSzPts val="2800"/>
-              <a:buNone/>
-              <a:defRPr sz="2800"/>
+              <a:buSzPts val="2100"/>
+              <a:buNone/>
+              <a:defRPr sz="2100"/>
             </a:lvl7pPr>
             <a:lvl8pPr lvl="7" algn="ctr">
               <a:lnSpc>
@@ -2357,9 +2952,9 @@
               <a:spcAft>
                 <a:spcPts val="0"/>
               </a:spcAft>
-              <a:buSzPts val="2800"/>
-              <a:buNone/>
-              <a:defRPr sz="2800"/>
+              <a:buSzPts val="2100"/>
+              <a:buNone/>
+              <a:defRPr sz="2100"/>
             </a:lvl8pPr>
             <a:lvl9pPr lvl="8" algn="ctr">
               <a:lnSpc>
@@ -2371,9 +2966,9 @@
               <a:spcAft>
                 <a:spcPts val="0"/>
               </a:spcAft>
-              <a:buSzPts val="2800"/>
-              <a:buNone/>
-              <a:defRPr sz="2800"/>
+              <a:buSzPts val="2100"/>
+              <a:buNone/>
+              <a:defRPr sz="2100"/>
             </a:lvl9pPr>
           </a:lstStyle>
           <a:p/>
@@ -2381,7 +2976,7 @@
       </p:sp>
       <p:sp>
         <p:nvSpPr>
-          <p:cNvPr id="12" name="Google Shape;12;p2"/>
+          <p:cNvPr id="16" name="Google Shape;16;p2"/>
           <p:cNvSpPr txBox="1"/>
           <p:nvPr>
             <p:ph idx="12" type="sldNum"/>
@@ -2389,7 +2984,7 @@
         </p:nvSpPr>
         <p:spPr>
           <a:xfrm>
-            <a:off x="8472458" y="4663217"/>
+            <a:off x="8490250" y="4681009"/>
             <a:ext cx="548700" cy="393600"/>
           </a:xfrm>
           <a:prstGeom prst="rect">
@@ -2469,7 +3064,7 @@
   <p:cSld name="BIG_NUMBER">
     <p:spTree>
       <p:nvGrpSpPr>
-        <p:cNvPr id="44" name="Shape 44"/>
+        <p:cNvPr id="49" name="Shape 49"/>
         <p:cNvGrpSpPr/>
         <p:nvPr/>
       </p:nvGrpSpPr>
@@ -2483,7 +3078,7 @@
       </p:grpSpPr>
       <p:sp>
         <p:nvSpPr>
-          <p:cNvPr id="45" name="Google Shape;45;p11"/>
+          <p:cNvPr id="50" name="Google Shape;50;p11"/>
           <p:cNvSpPr txBox="1"/>
           <p:nvPr>
             <p:ph hasCustomPrompt="1" type="title"/>
@@ -2491,8 +3086,8 @@
         </p:nvSpPr>
         <p:spPr>
           <a:xfrm>
-            <a:off x="311700" y="1106125"/>
-            <a:ext cx="8520600" cy="1963500"/>
+            <a:off x="311700" y="1255275"/>
+            <a:ext cx="8520600" cy="1890600"/>
           </a:xfrm>
           <a:prstGeom prst="rect">
             <a:avLst/>
@@ -2612,7 +3207,7 @@
       </p:sp>
       <p:sp>
         <p:nvSpPr>
-          <p:cNvPr id="46" name="Google Shape;46;p11"/>
+          <p:cNvPr id="51" name="Google Shape;51;p11"/>
           <p:cNvSpPr txBox="1"/>
           <p:nvPr>
             <p:ph idx="1" type="body"/>
@@ -2620,7 +3215,7 @@
         </p:nvSpPr>
         <p:spPr>
           <a:xfrm>
-            <a:off x="311700" y="3152225"/>
+            <a:off x="311700" y="3228425"/>
             <a:ext cx="8520600" cy="1300800"/>
           </a:xfrm>
           <a:prstGeom prst="rect">
@@ -2737,7 +3332,7 @@
       </p:sp>
       <p:sp>
         <p:nvSpPr>
-          <p:cNvPr id="47" name="Google Shape;47;p11"/>
+          <p:cNvPr id="52" name="Google Shape;52;p11"/>
           <p:cNvSpPr txBox="1"/>
           <p:nvPr>
             <p:ph idx="12" type="sldNum"/>
@@ -2745,7 +3340,7 @@
         </p:nvSpPr>
         <p:spPr>
           <a:xfrm>
-            <a:off x="8472458" y="4663217"/>
+            <a:off x="8490250" y="4681009"/>
             <a:ext cx="548700" cy="393600"/>
           </a:xfrm>
           <a:prstGeom prst="rect">
@@ -2825,7 +3420,7 @@
   <p:cSld name="BLANK">
     <p:spTree>
       <p:nvGrpSpPr>
-        <p:cNvPr id="48" name="Shape 48"/>
+        <p:cNvPr id="53" name="Shape 53"/>
         <p:cNvGrpSpPr/>
         <p:nvPr/>
       </p:nvGrpSpPr>
@@ -2839,7 +3434,7 @@
       </p:grpSpPr>
       <p:sp>
         <p:nvSpPr>
-          <p:cNvPr id="49" name="Google Shape;49;p12"/>
+          <p:cNvPr id="54" name="Google Shape;54;p12"/>
           <p:cNvSpPr txBox="1"/>
           <p:nvPr>
             <p:ph idx="12" type="sldNum"/>
@@ -2847,7 +3442,7 @@
         </p:nvSpPr>
         <p:spPr>
           <a:xfrm>
-            <a:off x="8472458" y="4663217"/>
+            <a:off x="8490250" y="4681009"/>
             <a:ext cx="548700" cy="393600"/>
           </a:xfrm>
           <a:prstGeom prst="rect">
@@ -2927,7 +3522,7 @@
   <p:cSld name="SECTION_HEADER">
     <p:spTree>
       <p:nvGrpSpPr>
-        <p:cNvPr id="13" name="Shape 13"/>
+        <p:cNvPr id="17" name="Shape 17"/>
         <p:cNvGrpSpPr/>
         <p:nvPr/>
       </p:nvGrpSpPr>
@@ -2941,7 +3536,7 @@
       </p:grpSpPr>
       <p:sp>
         <p:nvSpPr>
-          <p:cNvPr id="14" name="Google Shape;14;p3"/>
+          <p:cNvPr id="18" name="Google Shape;18;p3"/>
           <p:cNvSpPr txBox="1"/>
           <p:nvPr>
             <p:ph type="title"/>
@@ -2949,8 +3544,8 @@
         </p:nvSpPr>
         <p:spPr>
           <a:xfrm>
-            <a:off x="311700" y="2150850"/>
-            <a:ext cx="8520600" cy="841800"/>
+            <a:off x="671250" y="2141250"/>
+            <a:ext cx="7852200" cy="861000"/>
           </a:xfrm>
           <a:prstGeom prst="rect">
             <a:avLst/>
@@ -3066,7 +3661,7 @@
       </p:sp>
       <p:sp>
         <p:nvSpPr>
-          <p:cNvPr id="15" name="Google Shape;15;p3"/>
+          <p:cNvPr id="19" name="Google Shape;19;p3"/>
           <p:cNvSpPr txBox="1"/>
           <p:nvPr>
             <p:ph idx="12" type="sldNum"/>
@@ -3074,7 +3669,7 @@
         </p:nvSpPr>
         <p:spPr>
           <a:xfrm>
-            <a:off x="8472458" y="4663217"/>
+            <a:off x="8490250" y="4681009"/>
             <a:ext cx="548700" cy="393600"/>
           </a:xfrm>
           <a:prstGeom prst="rect">
@@ -3154,7 +3749,7 @@
   <p:cSld name="TITLE_AND_BODY">
     <p:spTree>
       <p:nvGrpSpPr>
-        <p:cNvPr id="16" name="Shape 16"/>
+        <p:cNvPr id="20" name="Shape 20"/>
         <p:cNvGrpSpPr/>
         <p:nvPr/>
       </p:nvGrpSpPr>
@@ -3168,7 +3763,7 @@
       </p:grpSpPr>
       <p:sp>
         <p:nvSpPr>
-          <p:cNvPr id="17" name="Google Shape;17;p4"/>
+          <p:cNvPr id="21" name="Google Shape;21;p4"/>
           <p:cNvSpPr txBox="1"/>
           <p:nvPr>
             <p:ph type="title"/>
@@ -3195,7 +3790,7 @@
               <a:spcAft>
                 <a:spcPts val="0"/>
               </a:spcAft>
-              <a:buSzPts val="2800"/>
+              <a:buSzPts val="3000"/>
               <a:buNone/>
               <a:defRPr/>
             </a:lvl1pPr>
@@ -3206,7 +3801,7 @@
               <a:spcAft>
                 <a:spcPts val="0"/>
               </a:spcAft>
-              <a:buSzPts val="2800"/>
+              <a:buSzPts val="3000"/>
               <a:buNone/>
               <a:defRPr/>
             </a:lvl2pPr>
@@ -3217,7 +3812,7 @@
               <a:spcAft>
                 <a:spcPts val="0"/>
               </a:spcAft>
-              <a:buSzPts val="2800"/>
+              <a:buSzPts val="3000"/>
               <a:buNone/>
               <a:defRPr/>
             </a:lvl3pPr>
@@ -3228,7 +3823,7 @@
               <a:spcAft>
                 <a:spcPts val="0"/>
               </a:spcAft>
-              <a:buSzPts val="2800"/>
+              <a:buSzPts val="3000"/>
               <a:buNone/>
               <a:defRPr/>
             </a:lvl4pPr>
@@ -3239,7 +3834,7 @@
               <a:spcAft>
                 <a:spcPts val="0"/>
               </a:spcAft>
-              <a:buSzPts val="2800"/>
+              <a:buSzPts val="3000"/>
               <a:buNone/>
               <a:defRPr/>
             </a:lvl5pPr>
@@ -3250,7 +3845,7 @@
               <a:spcAft>
                 <a:spcPts val="0"/>
               </a:spcAft>
-              <a:buSzPts val="2800"/>
+              <a:buSzPts val="3000"/>
               <a:buNone/>
               <a:defRPr/>
             </a:lvl6pPr>
@@ -3261,7 +3856,7 @@
               <a:spcAft>
                 <a:spcPts val="0"/>
               </a:spcAft>
-              <a:buSzPts val="2800"/>
+              <a:buSzPts val="3000"/>
               <a:buNone/>
               <a:defRPr/>
             </a:lvl7pPr>
@@ -3272,7 +3867,7 @@
               <a:spcAft>
                 <a:spcPts val="0"/>
               </a:spcAft>
-              <a:buSzPts val="2800"/>
+              <a:buSzPts val="3000"/>
               <a:buNone/>
               <a:defRPr/>
             </a:lvl8pPr>
@@ -3283,7 +3878,7 @@
               <a:spcAft>
                 <a:spcPts val="0"/>
               </a:spcAft>
-              <a:buSzPts val="2800"/>
+              <a:buSzPts val="3000"/>
               <a:buNone/>
               <a:defRPr/>
             </a:lvl9pPr>
@@ -3293,7 +3888,7 @@
       </p:sp>
       <p:sp>
         <p:nvSpPr>
-          <p:cNvPr id="18" name="Google Shape;18;p4"/>
+          <p:cNvPr id="22" name="Google Shape;22;p4"/>
           <p:cNvSpPr txBox="1"/>
           <p:nvPr>
             <p:ph idx="1" type="body"/>
@@ -3418,7 +4013,7 @@
       </p:sp>
       <p:sp>
         <p:nvSpPr>
-          <p:cNvPr id="19" name="Google Shape;19;p4"/>
+          <p:cNvPr id="23" name="Google Shape;23;p4"/>
           <p:cNvSpPr txBox="1"/>
           <p:nvPr>
             <p:ph idx="12" type="sldNum"/>
@@ -3426,7 +4021,7 @@
         </p:nvSpPr>
         <p:spPr>
           <a:xfrm>
-            <a:off x="8472458" y="4663217"/>
+            <a:off x="8490250" y="4681009"/>
             <a:ext cx="548700" cy="393600"/>
           </a:xfrm>
           <a:prstGeom prst="rect">
@@ -3506,7 +4101,7 @@
   <p:cSld name="TITLE_AND_TWO_COLUMNS">
     <p:spTree>
       <p:nvGrpSpPr>
-        <p:cNvPr id="20" name="Shape 20"/>
+        <p:cNvPr id="24" name="Shape 24"/>
         <p:cNvGrpSpPr/>
         <p:nvPr/>
       </p:nvGrpSpPr>
@@ -3520,7 +4115,7 @@
       </p:grpSpPr>
       <p:sp>
         <p:nvSpPr>
-          <p:cNvPr id="21" name="Google Shape;21;p5"/>
+          <p:cNvPr id="25" name="Google Shape;25;p5"/>
           <p:cNvSpPr txBox="1"/>
           <p:nvPr>
             <p:ph type="title"/>
@@ -3547,7 +4142,7 @@
               <a:spcAft>
                 <a:spcPts val="0"/>
               </a:spcAft>
-              <a:buSzPts val="2800"/>
+              <a:buSzPts val="3000"/>
               <a:buNone/>
               <a:defRPr/>
             </a:lvl1pPr>
@@ -3558,7 +4153,7 @@
               <a:spcAft>
                 <a:spcPts val="0"/>
               </a:spcAft>
-              <a:buSzPts val="2800"/>
+              <a:buSzPts val="3000"/>
               <a:buNone/>
               <a:defRPr/>
             </a:lvl2pPr>
@@ -3569,7 +4164,7 @@
               <a:spcAft>
                 <a:spcPts val="0"/>
               </a:spcAft>
-              <a:buSzPts val="2800"/>
+              <a:buSzPts val="3000"/>
               <a:buNone/>
               <a:defRPr/>
             </a:lvl3pPr>
@@ -3580,7 +4175,7 @@
               <a:spcAft>
                 <a:spcPts val="0"/>
               </a:spcAft>
-              <a:buSzPts val="2800"/>
+              <a:buSzPts val="3000"/>
               <a:buNone/>
               <a:defRPr/>
             </a:lvl4pPr>
@@ -3591,7 +4186,7 @@
               <a:spcAft>
                 <a:spcPts val="0"/>
               </a:spcAft>
-              <a:buSzPts val="2800"/>
+              <a:buSzPts val="3000"/>
               <a:buNone/>
               <a:defRPr/>
             </a:lvl5pPr>
@@ -3602,7 +4197,7 @@
               <a:spcAft>
                 <a:spcPts val="0"/>
               </a:spcAft>
-              <a:buSzPts val="2800"/>
+              <a:buSzPts val="3000"/>
               <a:buNone/>
               <a:defRPr/>
             </a:lvl6pPr>
@@ -3613,7 +4208,7 @@
               <a:spcAft>
                 <a:spcPts val="0"/>
               </a:spcAft>
-              <a:buSzPts val="2800"/>
+              <a:buSzPts val="3000"/>
               <a:buNone/>
               <a:defRPr/>
             </a:lvl7pPr>
@@ -3624,7 +4219,7 @@
               <a:spcAft>
                 <a:spcPts val="0"/>
               </a:spcAft>
-              <a:buSzPts val="2800"/>
+              <a:buSzPts val="3000"/>
               <a:buNone/>
               <a:defRPr/>
             </a:lvl8pPr>
@@ -3635,7 +4230,7 @@
               <a:spcAft>
                 <a:spcPts val="0"/>
               </a:spcAft>
-              <a:buSzPts val="2800"/>
+              <a:buSzPts val="3000"/>
               <a:buNone/>
               <a:defRPr/>
             </a:lvl9pPr>
@@ -3645,7 +4240,7 @@
       </p:sp>
       <p:sp>
         <p:nvSpPr>
-          <p:cNvPr id="22" name="Google Shape;22;p5"/>
+          <p:cNvPr id="26" name="Google Shape;26;p5"/>
           <p:cNvSpPr txBox="1"/>
           <p:nvPr>
             <p:ph idx="1" type="body"/>
@@ -3770,7 +4365,7 @@
       </p:sp>
       <p:sp>
         <p:nvSpPr>
-          <p:cNvPr id="23" name="Google Shape;23;p5"/>
+          <p:cNvPr id="27" name="Google Shape;27;p5"/>
           <p:cNvSpPr txBox="1"/>
           <p:nvPr>
             <p:ph idx="2" type="body"/>
@@ -3895,7 +4490,7 @@
       </p:sp>
       <p:sp>
         <p:nvSpPr>
-          <p:cNvPr id="24" name="Google Shape;24;p5"/>
+          <p:cNvPr id="28" name="Google Shape;28;p5"/>
           <p:cNvSpPr txBox="1"/>
           <p:nvPr>
             <p:ph idx="12" type="sldNum"/>
@@ -3903,7 +4498,7 @@
         </p:nvSpPr>
         <p:spPr>
           <a:xfrm>
-            <a:off x="8472458" y="4663217"/>
+            <a:off x="8490250" y="4681009"/>
             <a:ext cx="548700" cy="393600"/>
           </a:xfrm>
           <a:prstGeom prst="rect">
@@ -3983,7 +4578,7 @@
   <p:cSld name="TITLE_ONLY">
     <p:spTree>
       <p:nvGrpSpPr>
-        <p:cNvPr id="25" name="Shape 25"/>
+        <p:cNvPr id="29" name="Shape 29"/>
         <p:cNvGrpSpPr/>
         <p:nvPr/>
       </p:nvGrpSpPr>
@@ -3997,7 +4592,7 @@
       </p:grpSpPr>
       <p:sp>
         <p:nvSpPr>
-          <p:cNvPr id="26" name="Google Shape;26;p6"/>
+          <p:cNvPr id="30" name="Google Shape;30;p6"/>
           <p:cNvSpPr txBox="1"/>
           <p:nvPr>
             <p:ph type="title"/>
@@ -4024,7 +4619,7 @@
               <a:spcAft>
                 <a:spcPts val="0"/>
               </a:spcAft>
-              <a:buSzPts val="2800"/>
+              <a:buSzPts val="3000"/>
               <a:buNone/>
               <a:defRPr/>
             </a:lvl1pPr>
@@ -4035,7 +4630,7 @@
               <a:spcAft>
                 <a:spcPts val="0"/>
               </a:spcAft>
-              <a:buSzPts val="2800"/>
+              <a:buSzPts val="3000"/>
               <a:buNone/>
               <a:defRPr/>
             </a:lvl2pPr>
@@ -4046,7 +4641,7 @@
               <a:spcAft>
                 <a:spcPts val="0"/>
               </a:spcAft>
-              <a:buSzPts val="2800"/>
+              <a:buSzPts val="3000"/>
               <a:buNone/>
               <a:defRPr/>
             </a:lvl3pPr>
@@ -4057,7 +4652,7 @@
               <a:spcAft>
                 <a:spcPts val="0"/>
               </a:spcAft>
-              <a:buSzPts val="2800"/>
+              <a:buSzPts val="3000"/>
               <a:buNone/>
               <a:defRPr/>
             </a:lvl4pPr>
@@ -4068,7 +4663,7 @@
               <a:spcAft>
                 <a:spcPts val="0"/>
               </a:spcAft>
-              <a:buSzPts val="2800"/>
+              <a:buSzPts val="3000"/>
               <a:buNone/>
               <a:defRPr/>
             </a:lvl5pPr>
@@ -4079,7 +4674,7 @@
               <a:spcAft>
                 <a:spcPts val="0"/>
               </a:spcAft>
-              <a:buSzPts val="2800"/>
+              <a:buSzPts val="3000"/>
               <a:buNone/>
               <a:defRPr/>
             </a:lvl6pPr>
@@ -4090,7 +4685,7 @@
               <a:spcAft>
                 <a:spcPts val="0"/>
               </a:spcAft>
-              <a:buSzPts val="2800"/>
+              <a:buSzPts val="3000"/>
               <a:buNone/>
               <a:defRPr/>
             </a:lvl7pPr>
@@ -4101,7 +4696,7 @@
               <a:spcAft>
                 <a:spcPts val="0"/>
               </a:spcAft>
-              <a:buSzPts val="2800"/>
+              <a:buSzPts val="3000"/>
               <a:buNone/>
               <a:defRPr/>
             </a:lvl8pPr>
@@ -4112,7 +4707,7 @@
               <a:spcAft>
                 <a:spcPts val="0"/>
               </a:spcAft>
-              <a:buSzPts val="2800"/>
+              <a:buSzPts val="3000"/>
               <a:buNone/>
               <a:defRPr/>
             </a:lvl9pPr>
@@ -4122,7 +4717,7 @@
       </p:sp>
       <p:sp>
         <p:nvSpPr>
-          <p:cNvPr id="27" name="Google Shape;27;p6"/>
+          <p:cNvPr id="31" name="Google Shape;31;p6"/>
           <p:cNvSpPr txBox="1"/>
           <p:nvPr>
             <p:ph idx="12" type="sldNum"/>
@@ -4130,7 +4725,7 @@
         </p:nvSpPr>
         <p:spPr>
           <a:xfrm>
-            <a:off x="8472458" y="4663217"/>
+            <a:off x="8490250" y="4681009"/>
             <a:ext cx="548700" cy="393600"/>
           </a:xfrm>
           <a:prstGeom prst="rect">
@@ -4210,7 +4805,7 @@
   <p:cSld name="ONE_COLUMN_TEXT">
     <p:spTree>
       <p:nvGrpSpPr>
-        <p:cNvPr id="28" name="Shape 28"/>
+        <p:cNvPr id="32" name="Shape 32"/>
         <p:cNvGrpSpPr/>
         <p:nvPr/>
       </p:nvGrpSpPr>
@@ -4224,7 +4819,7 @@
       </p:grpSpPr>
       <p:sp>
         <p:nvSpPr>
-          <p:cNvPr id="29" name="Google Shape;29;p7"/>
+          <p:cNvPr id="33" name="Google Shape;33;p7"/>
           <p:cNvSpPr txBox="1"/>
           <p:nvPr>
             <p:ph type="title"/>
@@ -4349,7 +4944,7 @@
       </p:sp>
       <p:sp>
         <p:nvSpPr>
-          <p:cNvPr id="30" name="Google Shape;30;p7"/>
+          <p:cNvPr id="34" name="Google Shape;34;p7"/>
           <p:cNvSpPr txBox="1"/>
           <p:nvPr>
             <p:ph idx="1" type="body"/>
@@ -4474,7 +5069,7 @@
       </p:sp>
       <p:sp>
         <p:nvSpPr>
-          <p:cNvPr id="31" name="Google Shape;31;p7"/>
+          <p:cNvPr id="35" name="Google Shape;35;p7"/>
           <p:cNvSpPr txBox="1"/>
           <p:nvPr>
             <p:ph idx="12" type="sldNum"/>
@@ -4482,7 +5077,7 @@
         </p:nvSpPr>
         <p:spPr>
           <a:xfrm>
-            <a:off x="8472458" y="4663217"/>
+            <a:off x="8490250" y="4681009"/>
             <a:ext cx="548700" cy="393600"/>
           </a:xfrm>
           <a:prstGeom prst="rect">
@@ -4560,9 +5155,16 @@
 <file path=ppt/slideLayouts/slideLayout7.xml><?xml version="1.0" encoding="utf-8"?>
 <p:sldLayout xmlns:a="http://schemas.openxmlformats.org/drawingml/2006/main" xmlns:r="http://schemas.openxmlformats.org/officeDocument/2006/relationships" xmlns:mc="http://schemas.openxmlformats.org/markup-compatibility/2006" xmlns:mv="urn:schemas-microsoft-com:mac:vml" xmlns:p="http://schemas.openxmlformats.org/presentationml/2006/main" xmlns:c="http://schemas.openxmlformats.org/drawingml/2006/chart" xmlns:dgm="http://schemas.openxmlformats.org/drawingml/2006/diagram" xmlns:o="urn:schemas-microsoft-com:office:office" xmlns:v="urn:schemas-microsoft-com:vml" xmlns:pvml="urn:schemas-microsoft-com:office:powerpoint" xmlns:com="http://schemas.openxmlformats.org/drawingml/2006/compatibility" xmlns:p14="http://schemas.microsoft.com/office/powerpoint/2010/main" xmlns:p15="http://schemas.microsoft.com/office/powerpoint/2012/main" matchingName="Main point">
   <p:cSld name="MAIN_POINT">
+    <p:bg>
+      <p:bgPr>
+        <a:solidFill>
+          <a:schemeClr val="lt2"/>
+        </a:solidFill>
+      </p:bgPr>
+    </p:bg>
     <p:spTree>
       <p:nvGrpSpPr>
-        <p:cNvPr id="32" name="Shape 32"/>
+        <p:cNvPr id="36" name="Shape 36"/>
         <p:cNvGrpSpPr/>
         <p:nvPr/>
       </p:nvGrpSpPr>
@@ -4576,7 +5178,7 @@
       </p:grpSpPr>
       <p:sp>
         <p:nvSpPr>
-          <p:cNvPr id="33" name="Google Shape;33;p8"/>
+          <p:cNvPr id="37" name="Google Shape;37;p8"/>
           <p:cNvSpPr txBox="1"/>
           <p:nvPr>
             <p:ph type="title"/>
@@ -4584,8 +5186,8 @@
         </p:nvSpPr>
         <p:spPr>
           <a:xfrm>
-            <a:off x="490250" y="450150"/>
-            <a:ext cx="6367800" cy="4090800"/>
+            <a:off x="490250" y="526350"/>
+            <a:ext cx="6227100" cy="4090800"/>
           </a:xfrm>
           <a:prstGeom prst="rect">
             <a:avLst/>
@@ -4603,9 +5205,16 @@
               <a:spcAft>
                 <a:spcPts val="0"/>
               </a:spcAft>
+              <a:buClr>
+                <a:schemeClr val="lt1"/>
+              </a:buClr>
               <a:buSzPts val="4800"/>
               <a:buNone/>
-              <a:defRPr sz="4800"/>
+              <a:defRPr sz="4800">
+                <a:solidFill>
+                  <a:schemeClr val="lt1"/>
+                </a:solidFill>
+              </a:defRPr>
             </a:lvl1pPr>
             <a:lvl2pPr lvl="1">
               <a:spcBef>
@@ -4614,9 +5223,16 @@
               <a:spcAft>
                 <a:spcPts val="0"/>
               </a:spcAft>
+              <a:buClr>
+                <a:schemeClr val="lt1"/>
+              </a:buClr>
               <a:buSzPts val="4800"/>
               <a:buNone/>
-              <a:defRPr sz="4800"/>
+              <a:defRPr sz="4800">
+                <a:solidFill>
+                  <a:schemeClr val="lt1"/>
+                </a:solidFill>
+              </a:defRPr>
             </a:lvl2pPr>
             <a:lvl3pPr lvl="2">
               <a:spcBef>
@@ -4625,9 +5241,16 @@
               <a:spcAft>
                 <a:spcPts val="0"/>
               </a:spcAft>
+              <a:buClr>
+                <a:schemeClr val="lt1"/>
+              </a:buClr>
               <a:buSzPts val="4800"/>
               <a:buNone/>
-              <a:defRPr sz="4800"/>
+              <a:defRPr sz="4800">
+                <a:solidFill>
+                  <a:schemeClr val="lt1"/>
+                </a:solidFill>
+              </a:defRPr>
             </a:lvl3pPr>
             <a:lvl4pPr lvl="3">
               <a:spcBef>
@@ -4636,9 +5259,16 @@
               <a:spcAft>
                 <a:spcPts val="0"/>
               </a:spcAft>
+              <a:buClr>
+                <a:schemeClr val="lt1"/>
+              </a:buClr>
               <a:buSzPts val="4800"/>
               <a:buNone/>
-              <a:defRPr sz="4800"/>
+              <a:defRPr sz="4800">
+                <a:solidFill>
+                  <a:schemeClr val="lt1"/>
+                </a:solidFill>
+              </a:defRPr>
             </a:lvl4pPr>
             <a:lvl5pPr lvl="4">
               <a:spcBef>
@@ -4647,9 +5277,16 @@
               <a:spcAft>
                 <a:spcPts val="0"/>
               </a:spcAft>
+              <a:buClr>
+                <a:schemeClr val="lt1"/>
+              </a:buClr>
               <a:buSzPts val="4800"/>
               <a:buNone/>
-              <a:defRPr sz="4800"/>
+              <a:defRPr sz="4800">
+                <a:solidFill>
+                  <a:schemeClr val="lt1"/>
+                </a:solidFill>
+              </a:defRPr>
             </a:lvl5pPr>
             <a:lvl6pPr lvl="5">
               <a:spcBef>
@@ -4658,9 +5295,16 @@
               <a:spcAft>
                 <a:spcPts val="0"/>
               </a:spcAft>
+              <a:buClr>
+                <a:schemeClr val="lt1"/>
+              </a:buClr>
               <a:buSzPts val="4800"/>
               <a:buNone/>
-              <a:defRPr sz="4800"/>
+              <a:defRPr sz="4800">
+                <a:solidFill>
+                  <a:schemeClr val="lt1"/>
+                </a:solidFill>
+              </a:defRPr>
             </a:lvl6pPr>
             <a:lvl7pPr lvl="6">
               <a:spcBef>
@@ -4669,9 +5313,16 @@
               <a:spcAft>
                 <a:spcPts val="0"/>
               </a:spcAft>
+              <a:buClr>
+                <a:schemeClr val="lt1"/>
+              </a:buClr>
               <a:buSzPts val="4800"/>
               <a:buNone/>
-              <a:defRPr sz="4800"/>
+              <a:defRPr sz="4800">
+                <a:solidFill>
+                  <a:schemeClr val="lt1"/>
+                </a:solidFill>
+              </a:defRPr>
             </a:lvl7pPr>
             <a:lvl8pPr lvl="7">
               <a:spcBef>
@@ -4680,9 +5331,16 @@
               <a:spcAft>
                 <a:spcPts val="0"/>
               </a:spcAft>
+              <a:buClr>
+                <a:schemeClr val="lt1"/>
+              </a:buClr>
               <a:buSzPts val="4800"/>
               <a:buNone/>
-              <a:defRPr sz="4800"/>
+              <a:defRPr sz="4800">
+                <a:solidFill>
+                  <a:schemeClr val="lt1"/>
+                </a:solidFill>
+              </a:defRPr>
             </a:lvl8pPr>
             <a:lvl9pPr lvl="8">
               <a:spcBef>
@@ -4691,9 +5349,16 @@
               <a:spcAft>
                 <a:spcPts val="0"/>
               </a:spcAft>
+              <a:buClr>
+                <a:schemeClr val="lt1"/>
+              </a:buClr>
               <a:buSzPts val="4800"/>
               <a:buNone/>
-              <a:defRPr sz="4800"/>
+              <a:defRPr sz="4800">
+                <a:solidFill>
+                  <a:schemeClr val="lt1"/>
+                </a:solidFill>
+              </a:defRPr>
             </a:lvl9pPr>
           </a:lstStyle>
           <a:p/>
@@ -4701,7 +5366,7 @@
       </p:sp>
       <p:sp>
         <p:nvSpPr>
-          <p:cNvPr id="34" name="Google Shape;34;p8"/>
+          <p:cNvPr id="38" name="Google Shape;38;p8"/>
           <p:cNvSpPr txBox="1"/>
           <p:nvPr>
             <p:ph idx="12" type="sldNum"/>
@@ -4709,7 +5374,7 @@
         </p:nvSpPr>
         <p:spPr>
           <a:xfrm>
-            <a:off x="8472458" y="4663217"/>
+            <a:off x="8490250" y="4681009"/>
             <a:ext cx="548700" cy="393600"/>
           </a:xfrm>
           <a:prstGeom prst="rect">
@@ -4723,39 +5388,75 @@
           <a:lstStyle>
             <a:lvl1pPr lvl="0">
               <a:buNone/>
-              <a:defRPr/>
+              <a:defRPr>
+                <a:solidFill>
+                  <a:schemeClr val="lt1"/>
+                </a:solidFill>
+              </a:defRPr>
             </a:lvl1pPr>
             <a:lvl2pPr lvl="1">
               <a:buNone/>
-              <a:defRPr/>
+              <a:defRPr>
+                <a:solidFill>
+                  <a:schemeClr val="lt1"/>
+                </a:solidFill>
+              </a:defRPr>
             </a:lvl2pPr>
             <a:lvl3pPr lvl="2">
               <a:buNone/>
-              <a:defRPr/>
+              <a:defRPr>
+                <a:solidFill>
+                  <a:schemeClr val="lt1"/>
+                </a:solidFill>
+              </a:defRPr>
             </a:lvl3pPr>
             <a:lvl4pPr lvl="3">
               <a:buNone/>
-              <a:defRPr/>
+              <a:defRPr>
+                <a:solidFill>
+                  <a:schemeClr val="lt1"/>
+                </a:solidFill>
+              </a:defRPr>
             </a:lvl4pPr>
             <a:lvl5pPr lvl="4">
               <a:buNone/>
-              <a:defRPr/>
+              <a:defRPr>
+                <a:solidFill>
+                  <a:schemeClr val="lt1"/>
+                </a:solidFill>
+              </a:defRPr>
             </a:lvl5pPr>
             <a:lvl6pPr lvl="5">
               <a:buNone/>
-              <a:defRPr/>
+              <a:defRPr>
+                <a:solidFill>
+                  <a:schemeClr val="lt1"/>
+                </a:solidFill>
+              </a:defRPr>
             </a:lvl6pPr>
             <a:lvl7pPr lvl="6">
               <a:buNone/>
-              <a:defRPr/>
+              <a:defRPr>
+                <a:solidFill>
+                  <a:schemeClr val="lt1"/>
+                </a:solidFill>
+              </a:defRPr>
             </a:lvl7pPr>
             <a:lvl8pPr lvl="7">
               <a:buNone/>
-              <a:defRPr/>
+              <a:defRPr>
+                <a:solidFill>
+                  <a:schemeClr val="lt1"/>
+                </a:solidFill>
+              </a:defRPr>
             </a:lvl8pPr>
             <a:lvl9pPr lvl="8">
               <a:buNone/>
-              <a:defRPr/>
+              <a:defRPr>
+                <a:solidFill>
+                  <a:schemeClr val="lt1"/>
+                </a:solidFill>
+              </a:defRPr>
             </a:lvl9pPr>
           </a:lstStyle>
           <a:p>
@@ -4789,7 +5490,7 @@
   <p:cSld name="SECTION_TITLE_AND_DESCRIPTION">
     <p:spTree>
       <p:nvGrpSpPr>
-        <p:cNvPr id="35" name="Shape 35"/>
+        <p:cNvPr id="39" name="Shape 39"/>
         <p:cNvGrpSpPr/>
         <p:nvPr/>
       </p:nvGrpSpPr>
@@ -4803,20 +5504,20 @@
       </p:grpSpPr>
       <p:sp>
         <p:nvSpPr>
-          <p:cNvPr id="36" name="Google Shape;36;p9"/>
+          <p:cNvPr id="40" name="Google Shape;40;p9"/>
           <p:cNvSpPr/>
           <p:nvPr/>
         </p:nvSpPr>
         <p:spPr>
           <a:xfrm>
-            <a:off x="4572000" y="-125"/>
+            <a:off x="4572000" y="0"/>
             <a:ext cx="4572000" cy="5143500"/>
           </a:xfrm>
           <a:prstGeom prst="rect">
             <a:avLst/>
           </a:prstGeom>
           <a:solidFill>
-            <a:schemeClr val="lt2"/>
+            <a:schemeClr val="dk1"/>
           </a:solidFill>
           <a:ln>
             <a:noFill/>
@@ -4844,9 +5545,35 @@
           </a:p>
         </p:txBody>
       </p:sp>
+      <p:cxnSp>
+        <p:nvCxnSpPr>
+          <p:cNvPr id="41" name="Google Shape;41;p9"/>
+          <p:cNvCxnSpPr/>
+          <p:nvPr/>
+        </p:nvCxnSpPr>
+        <p:spPr>
+          <a:xfrm>
+            <a:off x="5029675" y="4495500"/>
+            <a:ext cx="468300" cy="0"/>
+          </a:xfrm>
+          <a:prstGeom prst="straightConnector1">
+            <a:avLst/>
+          </a:prstGeom>
+          <a:noFill/>
+          <a:ln cap="flat" cmpd="sng" w="19050">
+            <a:solidFill>
+              <a:schemeClr val="lt1"/>
+            </a:solidFill>
+            <a:prstDash val="solid"/>
+            <a:round/>
+            <a:headEnd len="sm" w="sm" type="none"/>
+            <a:tailEnd len="sm" w="sm" type="none"/>
+          </a:ln>
+        </p:spPr>
+      </p:cxnSp>
       <p:sp>
         <p:nvSpPr>
-          <p:cNvPr id="37" name="Google Shape;37;p9"/>
+          <p:cNvPr id="42" name="Google Shape;42;p9"/>
           <p:cNvSpPr txBox="1"/>
           <p:nvPr>
             <p:ph type="title"/>
@@ -4854,8 +5581,8 @@
         </p:nvSpPr>
         <p:spPr>
           <a:xfrm>
-            <a:off x="265500" y="1233175"/>
-            <a:ext cx="4045200" cy="1482300"/>
+            <a:off x="265500" y="1081400"/>
+            <a:ext cx="4045200" cy="1710300"/>
           </a:xfrm>
           <a:prstGeom prst="rect">
             <a:avLst/>
@@ -4971,7 +5698,7 @@
       </p:sp>
       <p:sp>
         <p:nvSpPr>
-          <p:cNvPr id="38" name="Google Shape;38;p9"/>
+          <p:cNvPr id="43" name="Google Shape;43;p9"/>
           <p:cNvSpPr txBox="1"/>
           <p:nvPr>
             <p:ph idx="1" type="subTitle"/>
@@ -4979,8 +5706,8 @@
         </p:nvSpPr>
         <p:spPr>
           <a:xfrm>
-            <a:off x="265500" y="2803075"/>
-            <a:ext cx="4045200" cy="1235100"/>
+            <a:off x="265500" y="2845201"/>
+            <a:ext cx="4045200" cy="1345500"/>
           </a:xfrm>
           <a:prstGeom prst="rect">
             <a:avLst/>
@@ -5001,9 +5728,16 @@
               <a:spcAft>
                 <a:spcPts val="0"/>
               </a:spcAft>
+              <a:buClr>
+                <a:schemeClr val="dk1"/>
+              </a:buClr>
               <a:buSzPts val="2100"/>
               <a:buNone/>
-              <a:defRPr sz="2100"/>
+              <a:defRPr sz="2100">
+                <a:solidFill>
+                  <a:schemeClr val="dk1"/>
+                </a:solidFill>
+              </a:defRPr>
             </a:lvl1pPr>
             <a:lvl2pPr lvl="1" algn="ctr">
               <a:lnSpc>
@@ -5015,9 +5749,16 @@
               <a:spcAft>
                 <a:spcPts val="0"/>
               </a:spcAft>
+              <a:buClr>
+                <a:schemeClr val="dk1"/>
+              </a:buClr>
               <a:buSzPts val="2100"/>
               <a:buNone/>
-              <a:defRPr sz="2100"/>
+              <a:defRPr sz="2100">
+                <a:solidFill>
+                  <a:schemeClr val="dk1"/>
+                </a:solidFill>
+              </a:defRPr>
             </a:lvl2pPr>
             <a:lvl3pPr lvl="2" algn="ctr">
               <a:lnSpc>
@@ -5029,9 +5770,16 @@
               <a:spcAft>
                 <a:spcPts val="0"/>
               </a:spcAft>
+              <a:buClr>
+                <a:schemeClr val="dk1"/>
+              </a:buClr>
               <a:buSzPts val="2100"/>
               <a:buNone/>
-              <a:defRPr sz="2100"/>
+              <a:defRPr sz="2100">
+                <a:solidFill>
+                  <a:schemeClr val="dk1"/>
+                </a:solidFill>
+              </a:defRPr>
             </a:lvl3pPr>
             <a:lvl4pPr lvl="3" algn="ctr">
               <a:lnSpc>
@@ -5043,9 +5791,16 @@
               <a:spcAft>
                 <a:spcPts val="0"/>
               </a:spcAft>
+              <a:buClr>
+                <a:schemeClr val="dk1"/>
+              </a:buClr>
               <a:buSzPts val="2100"/>
               <a:buNone/>
-              <a:defRPr sz="2100"/>
+              <a:defRPr sz="2100">
+                <a:solidFill>
+                  <a:schemeClr val="dk1"/>
+                </a:solidFill>
+              </a:defRPr>
             </a:lvl4pPr>
             <a:lvl5pPr lvl="4" algn="ctr">
               <a:lnSpc>
@@ -5057,9 +5812,16 @@
               <a:spcAft>
                 <a:spcPts val="0"/>
               </a:spcAft>
+              <a:buClr>
+                <a:schemeClr val="dk1"/>
+              </a:buClr>
               <a:buSzPts val="2100"/>
               <a:buNone/>
-              <a:defRPr sz="2100"/>
+              <a:defRPr sz="2100">
+                <a:solidFill>
+                  <a:schemeClr val="dk1"/>
+                </a:solidFill>
+              </a:defRPr>
             </a:lvl5pPr>
             <a:lvl6pPr lvl="5" algn="ctr">
               <a:lnSpc>
@@ -5071,9 +5833,16 @@
               <a:spcAft>
                 <a:spcPts val="0"/>
               </a:spcAft>
+              <a:buClr>
+                <a:schemeClr val="dk1"/>
+              </a:buClr>
               <a:buSzPts val="2100"/>
               <a:buNone/>
-              <a:defRPr sz="2100"/>
+              <a:defRPr sz="2100">
+                <a:solidFill>
+                  <a:schemeClr val="dk1"/>
+                </a:solidFill>
+              </a:defRPr>
             </a:lvl6pPr>
             <a:lvl7pPr lvl="6" algn="ctr">
               <a:lnSpc>
@@ -5085,9 +5854,16 @@
               <a:spcAft>
                 <a:spcPts val="0"/>
               </a:spcAft>
+              <a:buClr>
+                <a:schemeClr val="dk1"/>
+              </a:buClr>
               <a:buSzPts val="2100"/>
               <a:buNone/>
-              <a:defRPr sz="2100"/>
+              <a:defRPr sz="2100">
+                <a:solidFill>
+                  <a:schemeClr val="dk1"/>
+                </a:solidFill>
+              </a:defRPr>
             </a:lvl7pPr>
             <a:lvl8pPr lvl="7" algn="ctr">
               <a:lnSpc>
@@ -5099,9 +5875,16 @@
               <a:spcAft>
                 <a:spcPts val="0"/>
               </a:spcAft>
+              <a:buClr>
+                <a:schemeClr val="dk1"/>
+              </a:buClr>
               <a:buSzPts val="2100"/>
               <a:buNone/>
-              <a:defRPr sz="2100"/>
+              <a:defRPr sz="2100">
+                <a:solidFill>
+                  <a:schemeClr val="dk1"/>
+                </a:solidFill>
+              </a:defRPr>
             </a:lvl8pPr>
             <a:lvl9pPr lvl="8" algn="ctr">
               <a:lnSpc>
@@ -5113,9 +5896,16 @@
               <a:spcAft>
                 <a:spcPts val="0"/>
               </a:spcAft>
+              <a:buClr>
+                <a:schemeClr val="dk1"/>
+              </a:buClr>
               <a:buSzPts val="2100"/>
               <a:buNone/>
-              <a:defRPr sz="2100"/>
+              <a:defRPr sz="2100">
+                <a:solidFill>
+                  <a:schemeClr val="dk1"/>
+                </a:solidFill>
+              </a:defRPr>
             </a:lvl9pPr>
           </a:lstStyle>
           <a:p/>
@@ -5123,7 +5913,7 @@
       </p:sp>
       <p:sp>
         <p:nvSpPr>
-          <p:cNvPr id="39" name="Google Shape;39;p9"/>
+          <p:cNvPr id="44" name="Google Shape;44;p9"/>
           <p:cNvSpPr txBox="1"/>
           <p:nvPr>
             <p:ph idx="2" type="body"/>
@@ -5131,7 +5921,7 @@
         </p:nvSpPr>
         <p:spPr>
           <a:xfrm>
-            <a:off x="4939500" y="724075"/>
+            <a:off x="4939500" y="724200"/>
             <a:ext cx="3837000" cy="3695100"/>
           </a:xfrm>
           <a:prstGeom prst="rect">
@@ -5150,9 +5940,16 @@
               <a:spcAft>
                 <a:spcPts val="0"/>
               </a:spcAft>
+              <a:buClr>
+                <a:schemeClr val="lt1"/>
+              </a:buClr>
               <a:buSzPts val="1800"/>
               <a:buChar char="●"/>
-              <a:defRPr/>
+              <a:defRPr>
+                <a:solidFill>
+                  <a:schemeClr val="lt1"/>
+                </a:solidFill>
+              </a:defRPr>
             </a:lvl1pPr>
             <a:lvl2pPr indent="-317500" lvl="1" marL="914400">
               <a:spcBef>
@@ -5161,9 +5958,16 @@
               <a:spcAft>
                 <a:spcPts val="0"/>
               </a:spcAft>
+              <a:buClr>
+                <a:schemeClr val="lt1"/>
+              </a:buClr>
               <a:buSzPts val="1400"/>
               <a:buChar char="○"/>
-              <a:defRPr/>
+              <a:defRPr>
+                <a:solidFill>
+                  <a:schemeClr val="lt1"/>
+                </a:solidFill>
+              </a:defRPr>
             </a:lvl2pPr>
             <a:lvl3pPr indent="-317500" lvl="2" marL="1371600">
               <a:spcBef>
@@ -5172,9 +5976,16 @@
               <a:spcAft>
                 <a:spcPts val="0"/>
               </a:spcAft>
+              <a:buClr>
+                <a:schemeClr val="lt1"/>
+              </a:buClr>
               <a:buSzPts val="1400"/>
               <a:buChar char="■"/>
-              <a:defRPr/>
+              <a:defRPr>
+                <a:solidFill>
+                  <a:schemeClr val="lt1"/>
+                </a:solidFill>
+              </a:defRPr>
             </a:lvl3pPr>
             <a:lvl4pPr indent="-317500" lvl="3" marL="1828800">
               <a:spcBef>
@@ -5183,9 +5994,16 @@
               <a:spcAft>
                 <a:spcPts val="0"/>
               </a:spcAft>
+              <a:buClr>
+                <a:schemeClr val="lt1"/>
+              </a:buClr>
               <a:buSzPts val="1400"/>
               <a:buChar char="●"/>
-              <a:defRPr/>
+              <a:defRPr>
+                <a:solidFill>
+                  <a:schemeClr val="lt1"/>
+                </a:solidFill>
+              </a:defRPr>
             </a:lvl4pPr>
             <a:lvl5pPr indent="-317500" lvl="4" marL="2286000">
               <a:spcBef>
@@ -5194,9 +6012,16 @@
               <a:spcAft>
                 <a:spcPts val="0"/>
               </a:spcAft>
+              <a:buClr>
+                <a:schemeClr val="lt1"/>
+              </a:buClr>
               <a:buSzPts val="1400"/>
               <a:buChar char="○"/>
-              <a:defRPr/>
+              <a:defRPr>
+                <a:solidFill>
+                  <a:schemeClr val="lt1"/>
+                </a:solidFill>
+              </a:defRPr>
             </a:lvl5pPr>
             <a:lvl6pPr indent="-317500" lvl="5" marL="2743200">
               <a:spcBef>
@@ -5205,9 +6030,16 @@
               <a:spcAft>
                 <a:spcPts val="0"/>
               </a:spcAft>
+              <a:buClr>
+                <a:schemeClr val="lt1"/>
+              </a:buClr>
               <a:buSzPts val="1400"/>
               <a:buChar char="■"/>
-              <a:defRPr/>
+              <a:defRPr>
+                <a:solidFill>
+                  <a:schemeClr val="lt1"/>
+                </a:solidFill>
+              </a:defRPr>
             </a:lvl6pPr>
             <a:lvl7pPr indent="-317500" lvl="6" marL="3200400">
               <a:spcBef>
@@ -5216,9 +6048,16 @@
               <a:spcAft>
                 <a:spcPts val="0"/>
               </a:spcAft>
+              <a:buClr>
+                <a:schemeClr val="lt1"/>
+              </a:buClr>
               <a:buSzPts val="1400"/>
               <a:buChar char="●"/>
-              <a:defRPr/>
+              <a:defRPr>
+                <a:solidFill>
+                  <a:schemeClr val="lt1"/>
+                </a:solidFill>
+              </a:defRPr>
             </a:lvl7pPr>
             <a:lvl8pPr indent="-317500" lvl="7" marL="3657600">
               <a:spcBef>
@@ -5227,9 +6066,16 @@
               <a:spcAft>
                 <a:spcPts val="0"/>
               </a:spcAft>
+              <a:buClr>
+                <a:schemeClr val="lt1"/>
+              </a:buClr>
               <a:buSzPts val="1400"/>
               <a:buChar char="○"/>
-              <a:defRPr/>
+              <a:defRPr>
+                <a:solidFill>
+                  <a:schemeClr val="lt1"/>
+                </a:solidFill>
+              </a:defRPr>
             </a:lvl8pPr>
             <a:lvl9pPr indent="-317500" lvl="8" marL="4114800">
               <a:spcBef>
@@ -5238,9 +6084,16 @@
               <a:spcAft>
                 <a:spcPts val="1600"/>
               </a:spcAft>
+              <a:buClr>
+                <a:schemeClr val="lt1"/>
+              </a:buClr>
               <a:buSzPts val="1400"/>
               <a:buChar char="■"/>
-              <a:defRPr/>
+              <a:defRPr>
+                <a:solidFill>
+                  <a:schemeClr val="lt1"/>
+                </a:solidFill>
+              </a:defRPr>
             </a:lvl9pPr>
           </a:lstStyle>
           <a:p/>
@@ -5248,7 +6101,7 @@
       </p:sp>
       <p:sp>
         <p:nvSpPr>
-          <p:cNvPr id="40" name="Google Shape;40;p9"/>
+          <p:cNvPr id="45" name="Google Shape;45;p9"/>
           <p:cNvSpPr txBox="1"/>
           <p:nvPr>
             <p:ph idx="12" type="sldNum"/>
@@ -5256,7 +6109,7 @@
         </p:nvSpPr>
         <p:spPr>
           <a:xfrm>
-            <a:off x="8472458" y="4663217"/>
+            <a:off x="8490250" y="4681009"/>
             <a:ext cx="548700" cy="393600"/>
           </a:xfrm>
           <a:prstGeom prst="rect">
@@ -5270,39 +6123,75 @@
           <a:lstStyle>
             <a:lvl1pPr lvl="0">
               <a:buNone/>
-              <a:defRPr/>
+              <a:defRPr>
+                <a:solidFill>
+                  <a:schemeClr val="lt1"/>
+                </a:solidFill>
+              </a:defRPr>
             </a:lvl1pPr>
             <a:lvl2pPr lvl="1">
               <a:buNone/>
-              <a:defRPr/>
+              <a:defRPr>
+                <a:solidFill>
+                  <a:schemeClr val="lt1"/>
+                </a:solidFill>
+              </a:defRPr>
             </a:lvl2pPr>
             <a:lvl3pPr lvl="2">
               <a:buNone/>
-              <a:defRPr/>
+              <a:defRPr>
+                <a:solidFill>
+                  <a:schemeClr val="lt1"/>
+                </a:solidFill>
+              </a:defRPr>
             </a:lvl3pPr>
             <a:lvl4pPr lvl="3">
               <a:buNone/>
-              <a:defRPr/>
+              <a:defRPr>
+                <a:solidFill>
+                  <a:schemeClr val="lt1"/>
+                </a:solidFill>
+              </a:defRPr>
             </a:lvl4pPr>
             <a:lvl5pPr lvl="4">
               <a:buNone/>
-              <a:defRPr/>
+              <a:defRPr>
+                <a:solidFill>
+                  <a:schemeClr val="lt1"/>
+                </a:solidFill>
+              </a:defRPr>
             </a:lvl5pPr>
             <a:lvl6pPr lvl="5">
               <a:buNone/>
-              <a:defRPr/>
+              <a:defRPr>
+                <a:solidFill>
+                  <a:schemeClr val="lt1"/>
+                </a:solidFill>
+              </a:defRPr>
             </a:lvl6pPr>
             <a:lvl7pPr lvl="6">
               <a:buNone/>
-              <a:defRPr/>
+              <a:defRPr>
+                <a:solidFill>
+                  <a:schemeClr val="lt1"/>
+                </a:solidFill>
+              </a:defRPr>
             </a:lvl7pPr>
             <a:lvl8pPr lvl="7">
               <a:buNone/>
-              <a:defRPr/>
+              <a:defRPr>
+                <a:solidFill>
+                  <a:schemeClr val="lt1"/>
+                </a:solidFill>
+              </a:defRPr>
             </a:lvl8pPr>
             <a:lvl9pPr lvl="8">
               <a:buNone/>
-              <a:defRPr/>
+              <a:defRPr>
+                <a:solidFill>
+                  <a:schemeClr val="lt1"/>
+                </a:solidFill>
+              </a:defRPr>
             </a:lvl9pPr>
           </a:lstStyle>
           <a:p>
@@ -5336,7 +6225,7 @@
   <p:cSld name="CAPTION_ONLY">
     <p:spTree>
       <p:nvGrpSpPr>
-        <p:cNvPr id="41" name="Shape 41"/>
+        <p:cNvPr id="46" name="Shape 46"/>
         <p:cNvGrpSpPr/>
         <p:nvPr/>
       </p:nvGrpSpPr>
@@ -5350,7 +6239,7 @@
       </p:grpSpPr>
       <p:sp>
         <p:nvSpPr>
-          <p:cNvPr id="42" name="Google Shape;42;p10"/>
+          <p:cNvPr id="47" name="Google Shape;47;p10"/>
           <p:cNvSpPr txBox="1"/>
           <p:nvPr>
             <p:ph idx="1" type="body"/>
@@ -5380,9 +6269,21 @@
               <a:spcAft>
                 <a:spcPts val="0"/>
               </a:spcAft>
-              <a:buSzPts val="1800"/>
-              <a:buNone/>
-              <a:defRPr/>
+              <a:buClr>
+                <a:schemeClr val="dk1"/>
+              </a:buClr>
+              <a:buSzPts val="2100"/>
+              <a:buFont typeface="Oswald"/>
+              <a:buNone/>
+              <a:defRPr sz="2100">
+                <a:solidFill>
+                  <a:schemeClr val="dk1"/>
+                </a:solidFill>
+                <a:latin typeface="Oswald"/>
+                <a:ea typeface="Oswald"/>
+                <a:cs typeface="Oswald"/>
+                <a:sym typeface="Oswald"/>
+              </a:defRPr>
             </a:lvl1pPr>
           </a:lstStyle>
           <a:p/>
@@ -5390,7 +6291,7 @@
       </p:sp>
       <p:sp>
         <p:nvSpPr>
-          <p:cNvPr id="43" name="Google Shape;43;p10"/>
+          <p:cNvPr id="48" name="Google Shape;48;p10"/>
           <p:cNvSpPr txBox="1"/>
           <p:nvPr>
             <p:ph idx="12" type="sldNum"/>
@@ -5398,7 +6299,7 @@
         </p:nvSpPr>
         <p:spPr>
           <a:xfrm>
-            <a:off x="8472458" y="4663217"/>
+            <a:off x="8490250" y="4681009"/>
             <a:ext cx="548700" cy="393600"/>
           </a:xfrm>
           <a:prstGeom prst="rect">
@@ -5475,7 +6376,7 @@
 
 <file path=ppt/slideMasters/slideMaster1.xml><?xml version="1.0" encoding="utf-8"?>
 <p:sldMaster xmlns:a="http://schemas.openxmlformats.org/drawingml/2006/main" xmlns:r="http://schemas.openxmlformats.org/officeDocument/2006/relationships" xmlns:mc="http://schemas.openxmlformats.org/markup-compatibility/2006" xmlns:mv="urn:schemas-microsoft-com:mac:vml" xmlns:p="http://schemas.openxmlformats.org/presentationml/2006/main" xmlns:c="http://schemas.openxmlformats.org/drawingml/2006/chart" xmlns:dgm="http://schemas.openxmlformats.org/drawingml/2006/diagram" xmlns:o="urn:schemas-microsoft-com:office:office" xmlns:v="urn:schemas-microsoft-com:vml" xmlns:pvml="urn:schemas-microsoft-com:office:powerpoint" xmlns:com="http://schemas.openxmlformats.org/drawingml/2006/compatibility" xmlns:p14="http://schemas.microsoft.com/office/powerpoint/2010/main" xmlns:p15="http://schemas.microsoft.com/office/powerpoint/2012/main">
-  <p:cSld name="simple-light-2">
+  <p:cSld name="slate">
     <p:bg>
       <p:bgPr>
         <a:solidFill>
@@ -5533,12 +6434,17 @@
               <a:buClr>
                 <a:schemeClr val="dk1"/>
               </a:buClr>
-              <a:buSzPts val="2800"/>
-              <a:buNone/>
-              <a:defRPr sz="2800">
+              <a:buSzPts val="3000"/>
+              <a:buFont typeface="Oswald"/>
+              <a:buNone/>
+              <a:defRPr sz="3000">
                 <a:solidFill>
                   <a:schemeClr val="dk1"/>
                 </a:solidFill>
+                <a:latin typeface="Oswald"/>
+                <a:ea typeface="Oswald"/>
+                <a:cs typeface="Oswald"/>
+                <a:sym typeface="Oswald"/>
               </a:defRPr>
             </a:lvl1pPr>
             <a:lvl2pPr lvl="1">
@@ -5551,12 +6457,17 @@
               <a:buClr>
                 <a:schemeClr val="dk1"/>
               </a:buClr>
-              <a:buSzPts val="2800"/>
-              <a:buNone/>
-              <a:defRPr sz="2800">
+              <a:buSzPts val="3000"/>
+              <a:buFont typeface="Oswald"/>
+              <a:buNone/>
+              <a:defRPr sz="3000">
                 <a:solidFill>
                   <a:schemeClr val="dk1"/>
                 </a:solidFill>
+                <a:latin typeface="Oswald"/>
+                <a:ea typeface="Oswald"/>
+                <a:cs typeface="Oswald"/>
+                <a:sym typeface="Oswald"/>
               </a:defRPr>
             </a:lvl2pPr>
             <a:lvl3pPr lvl="2">
@@ -5569,12 +6480,17 @@
               <a:buClr>
                 <a:schemeClr val="dk1"/>
               </a:buClr>
-              <a:buSzPts val="2800"/>
-              <a:buNone/>
-              <a:defRPr sz="2800">
+              <a:buSzPts val="3000"/>
+              <a:buFont typeface="Oswald"/>
+              <a:buNone/>
+              <a:defRPr sz="3000">
                 <a:solidFill>
                   <a:schemeClr val="dk1"/>
                 </a:solidFill>
+                <a:latin typeface="Oswald"/>
+                <a:ea typeface="Oswald"/>
+                <a:cs typeface="Oswald"/>
+                <a:sym typeface="Oswald"/>
               </a:defRPr>
             </a:lvl3pPr>
             <a:lvl4pPr lvl="3">
@@ -5587,12 +6503,17 @@
               <a:buClr>
                 <a:schemeClr val="dk1"/>
               </a:buClr>
-              <a:buSzPts val="2800"/>
-              <a:buNone/>
-              <a:defRPr sz="2800">
+              <a:buSzPts val="3000"/>
+              <a:buFont typeface="Oswald"/>
+              <a:buNone/>
+              <a:defRPr sz="3000">
                 <a:solidFill>
                   <a:schemeClr val="dk1"/>
                 </a:solidFill>
+                <a:latin typeface="Oswald"/>
+                <a:ea typeface="Oswald"/>
+                <a:cs typeface="Oswald"/>
+                <a:sym typeface="Oswald"/>
               </a:defRPr>
             </a:lvl4pPr>
             <a:lvl5pPr lvl="4">
@@ -5605,12 +6526,17 @@
               <a:buClr>
                 <a:schemeClr val="dk1"/>
               </a:buClr>
-              <a:buSzPts val="2800"/>
-              <a:buNone/>
-              <a:defRPr sz="2800">
+              <a:buSzPts val="3000"/>
+              <a:buFont typeface="Oswald"/>
+              <a:buNone/>
+              <a:defRPr sz="3000">
                 <a:solidFill>
                   <a:schemeClr val="dk1"/>
                 </a:solidFill>
+                <a:latin typeface="Oswald"/>
+                <a:ea typeface="Oswald"/>
+                <a:cs typeface="Oswald"/>
+                <a:sym typeface="Oswald"/>
               </a:defRPr>
             </a:lvl5pPr>
             <a:lvl6pPr lvl="5">
@@ -5623,12 +6549,17 @@
               <a:buClr>
                 <a:schemeClr val="dk1"/>
               </a:buClr>
-              <a:buSzPts val="2800"/>
-              <a:buNone/>
-              <a:defRPr sz="2800">
+              <a:buSzPts val="3000"/>
+              <a:buFont typeface="Oswald"/>
+              <a:buNone/>
+              <a:defRPr sz="3000">
                 <a:solidFill>
                   <a:schemeClr val="dk1"/>
                 </a:solidFill>
+                <a:latin typeface="Oswald"/>
+                <a:ea typeface="Oswald"/>
+                <a:cs typeface="Oswald"/>
+                <a:sym typeface="Oswald"/>
               </a:defRPr>
             </a:lvl6pPr>
             <a:lvl7pPr lvl="6">
@@ -5641,12 +6572,17 @@
               <a:buClr>
                 <a:schemeClr val="dk1"/>
               </a:buClr>
-              <a:buSzPts val="2800"/>
-              <a:buNone/>
-              <a:defRPr sz="2800">
+              <a:buSzPts val="3000"/>
+              <a:buFont typeface="Oswald"/>
+              <a:buNone/>
+              <a:defRPr sz="3000">
                 <a:solidFill>
                   <a:schemeClr val="dk1"/>
                 </a:solidFill>
+                <a:latin typeface="Oswald"/>
+                <a:ea typeface="Oswald"/>
+                <a:cs typeface="Oswald"/>
+                <a:sym typeface="Oswald"/>
               </a:defRPr>
             </a:lvl7pPr>
             <a:lvl8pPr lvl="7">
@@ -5659,12 +6595,17 @@
               <a:buClr>
                 <a:schemeClr val="dk1"/>
               </a:buClr>
-              <a:buSzPts val="2800"/>
-              <a:buNone/>
-              <a:defRPr sz="2800">
+              <a:buSzPts val="3000"/>
+              <a:buFont typeface="Oswald"/>
+              <a:buNone/>
+              <a:defRPr sz="3000">
                 <a:solidFill>
                   <a:schemeClr val="dk1"/>
                 </a:solidFill>
+                <a:latin typeface="Oswald"/>
+                <a:ea typeface="Oswald"/>
+                <a:cs typeface="Oswald"/>
+                <a:sym typeface="Oswald"/>
               </a:defRPr>
             </a:lvl8pPr>
             <a:lvl9pPr lvl="8">
@@ -5677,12 +6618,17 @@
               <a:buClr>
                 <a:schemeClr val="dk1"/>
               </a:buClr>
-              <a:buSzPts val="2800"/>
-              <a:buNone/>
-              <a:defRPr sz="2800">
+              <a:buSzPts val="3000"/>
+              <a:buFont typeface="Oswald"/>
+              <a:buNone/>
+              <a:defRPr sz="3000">
                 <a:solidFill>
                   <a:schemeClr val="dk1"/>
                 </a:solidFill>
+                <a:latin typeface="Oswald"/>
+                <a:ea typeface="Oswald"/>
+                <a:cs typeface="Oswald"/>
+                <a:sym typeface="Oswald"/>
               </a:defRPr>
             </a:lvl9pPr>
           </a:lstStyle>
@@ -5726,14 +6672,19 @@
                 <a:spcPts val="0"/>
               </a:spcAft>
               <a:buClr>
-                <a:schemeClr val="dk2"/>
+                <a:schemeClr val="accent3"/>
               </a:buClr>
               <a:buSzPts val="1800"/>
+              <a:buFont typeface="Average"/>
               <a:buChar char="●"/>
               <a:defRPr sz="1800">
                 <a:solidFill>
-                  <a:schemeClr val="dk2"/>
+                  <a:schemeClr val="accent3"/>
                 </a:solidFill>
+                <a:latin typeface="Average"/>
+                <a:ea typeface="Average"/>
+                <a:cs typeface="Average"/>
+                <a:sym typeface="Average"/>
               </a:defRPr>
             </a:lvl1pPr>
             <a:lvl2pPr indent="-317500" lvl="1" marL="914400">
@@ -5747,14 +6698,19 @@
                 <a:spcPts val="0"/>
               </a:spcAft>
               <a:buClr>
-                <a:schemeClr val="dk2"/>
+                <a:schemeClr val="accent3"/>
               </a:buClr>
               <a:buSzPts val="1400"/>
+              <a:buFont typeface="Average"/>
               <a:buChar char="○"/>
               <a:defRPr>
                 <a:solidFill>
-                  <a:schemeClr val="dk2"/>
+                  <a:schemeClr val="accent3"/>
                 </a:solidFill>
+                <a:latin typeface="Average"/>
+                <a:ea typeface="Average"/>
+                <a:cs typeface="Average"/>
+                <a:sym typeface="Average"/>
               </a:defRPr>
             </a:lvl2pPr>
             <a:lvl3pPr indent="-317500" lvl="2" marL="1371600">
@@ -5768,14 +6724,19 @@
                 <a:spcPts val="0"/>
               </a:spcAft>
               <a:buClr>
-                <a:schemeClr val="dk2"/>
+                <a:schemeClr val="accent3"/>
               </a:buClr>
               <a:buSzPts val="1400"/>
+              <a:buFont typeface="Average"/>
               <a:buChar char="■"/>
               <a:defRPr>
                 <a:solidFill>
-                  <a:schemeClr val="dk2"/>
+                  <a:schemeClr val="accent3"/>
                 </a:solidFill>
+                <a:latin typeface="Average"/>
+                <a:ea typeface="Average"/>
+                <a:cs typeface="Average"/>
+                <a:sym typeface="Average"/>
               </a:defRPr>
             </a:lvl3pPr>
             <a:lvl4pPr indent="-317500" lvl="3" marL="1828800">
@@ -5789,14 +6750,19 @@
                 <a:spcPts val="0"/>
               </a:spcAft>
               <a:buClr>
-                <a:schemeClr val="dk2"/>
+                <a:schemeClr val="accent3"/>
               </a:buClr>
               <a:buSzPts val="1400"/>
+              <a:buFont typeface="Average"/>
               <a:buChar char="●"/>
               <a:defRPr>
                 <a:solidFill>
-                  <a:schemeClr val="dk2"/>
+                  <a:schemeClr val="accent3"/>
                 </a:solidFill>
+                <a:latin typeface="Average"/>
+                <a:ea typeface="Average"/>
+                <a:cs typeface="Average"/>
+                <a:sym typeface="Average"/>
               </a:defRPr>
             </a:lvl4pPr>
             <a:lvl5pPr indent="-317500" lvl="4" marL="2286000">
@@ -5810,14 +6776,19 @@
                 <a:spcPts val="0"/>
               </a:spcAft>
               <a:buClr>
-                <a:schemeClr val="dk2"/>
+                <a:schemeClr val="accent3"/>
               </a:buClr>
               <a:buSzPts val="1400"/>
+              <a:buFont typeface="Average"/>
               <a:buChar char="○"/>
               <a:defRPr>
                 <a:solidFill>
-                  <a:schemeClr val="dk2"/>
+                  <a:schemeClr val="accent3"/>
                 </a:solidFill>
+                <a:latin typeface="Average"/>
+                <a:ea typeface="Average"/>
+                <a:cs typeface="Average"/>
+                <a:sym typeface="Average"/>
               </a:defRPr>
             </a:lvl5pPr>
             <a:lvl6pPr indent="-317500" lvl="5" marL="2743200">
@@ -5831,14 +6802,19 @@
                 <a:spcPts val="0"/>
               </a:spcAft>
               <a:buClr>
-                <a:schemeClr val="dk2"/>
+                <a:schemeClr val="accent3"/>
               </a:buClr>
               <a:buSzPts val="1400"/>
+              <a:buFont typeface="Average"/>
               <a:buChar char="■"/>
               <a:defRPr>
                 <a:solidFill>
-                  <a:schemeClr val="dk2"/>
+                  <a:schemeClr val="accent3"/>
                 </a:solidFill>
+                <a:latin typeface="Average"/>
+                <a:ea typeface="Average"/>
+                <a:cs typeface="Average"/>
+                <a:sym typeface="Average"/>
               </a:defRPr>
             </a:lvl6pPr>
             <a:lvl7pPr indent="-317500" lvl="6" marL="3200400">
@@ -5852,14 +6828,19 @@
                 <a:spcPts val="0"/>
               </a:spcAft>
               <a:buClr>
-                <a:schemeClr val="dk2"/>
+                <a:schemeClr val="accent3"/>
               </a:buClr>
               <a:buSzPts val="1400"/>
+              <a:buFont typeface="Average"/>
               <a:buChar char="●"/>
               <a:defRPr>
                 <a:solidFill>
-                  <a:schemeClr val="dk2"/>
+                  <a:schemeClr val="accent3"/>
                 </a:solidFill>
+                <a:latin typeface="Average"/>
+                <a:ea typeface="Average"/>
+                <a:cs typeface="Average"/>
+                <a:sym typeface="Average"/>
               </a:defRPr>
             </a:lvl7pPr>
             <a:lvl8pPr indent="-317500" lvl="7" marL="3657600">
@@ -5873,14 +6854,19 @@
                 <a:spcPts val="0"/>
               </a:spcAft>
               <a:buClr>
-                <a:schemeClr val="dk2"/>
+                <a:schemeClr val="accent3"/>
               </a:buClr>
               <a:buSzPts val="1400"/>
+              <a:buFont typeface="Average"/>
               <a:buChar char="○"/>
               <a:defRPr>
                 <a:solidFill>
-                  <a:schemeClr val="dk2"/>
+                  <a:schemeClr val="accent3"/>
                 </a:solidFill>
+                <a:latin typeface="Average"/>
+                <a:ea typeface="Average"/>
+                <a:cs typeface="Average"/>
+                <a:sym typeface="Average"/>
               </a:defRPr>
             </a:lvl8pPr>
             <a:lvl9pPr indent="-317500" lvl="8" marL="4114800">
@@ -5894,14 +6880,19 @@
                 <a:spcPts val="1600"/>
               </a:spcAft>
               <a:buClr>
-                <a:schemeClr val="dk2"/>
+                <a:schemeClr val="accent3"/>
               </a:buClr>
               <a:buSzPts val="1400"/>
+              <a:buFont typeface="Average"/>
               <a:buChar char="■"/>
               <a:defRPr>
                 <a:solidFill>
-                  <a:schemeClr val="dk2"/>
+                  <a:schemeClr val="accent3"/>
                 </a:solidFill>
+                <a:latin typeface="Average"/>
+                <a:ea typeface="Average"/>
+                <a:cs typeface="Average"/>
+                <a:sym typeface="Average"/>
               </a:defRPr>
             </a:lvl9pPr>
           </a:lstStyle>
@@ -5918,7 +6909,7 @@
         </p:nvSpPr>
         <p:spPr>
           <a:xfrm>
-            <a:off x="8472458" y="4663217"/>
+            <a:off x="8490250" y="4681009"/>
             <a:ext cx="548700" cy="393600"/>
           </a:xfrm>
           <a:prstGeom prst="rect">
@@ -5938,72 +6929,108 @@
               <a:buNone/>
               <a:defRPr sz="1000">
                 <a:solidFill>
-                  <a:schemeClr val="dk2"/>
+                  <a:schemeClr val="accent3"/>
                 </a:solidFill>
+                <a:latin typeface="Average"/>
+                <a:ea typeface="Average"/>
+                <a:cs typeface="Average"/>
+                <a:sym typeface="Average"/>
               </a:defRPr>
             </a:lvl1pPr>
             <a:lvl2pPr lvl="1" algn="r">
               <a:buNone/>
               <a:defRPr sz="1000">
                 <a:solidFill>
-                  <a:schemeClr val="dk2"/>
+                  <a:schemeClr val="accent3"/>
                 </a:solidFill>
+                <a:latin typeface="Average"/>
+                <a:ea typeface="Average"/>
+                <a:cs typeface="Average"/>
+                <a:sym typeface="Average"/>
               </a:defRPr>
             </a:lvl2pPr>
             <a:lvl3pPr lvl="2" algn="r">
               <a:buNone/>
               <a:defRPr sz="1000">
                 <a:solidFill>
-                  <a:schemeClr val="dk2"/>
+                  <a:schemeClr val="accent3"/>
                 </a:solidFill>
+                <a:latin typeface="Average"/>
+                <a:ea typeface="Average"/>
+                <a:cs typeface="Average"/>
+                <a:sym typeface="Average"/>
               </a:defRPr>
             </a:lvl3pPr>
             <a:lvl4pPr lvl="3" algn="r">
               <a:buNone/>
               <a:defRPr sz="1000">
                 <a:solidFill>
-                  <a:schemeClr val="dk2"/>
+                  <a:schemeClr val="accent3"/>
                 </a:solidFill>
+                <a:latin typeface="Average"/>
+                <a:ea typeface="Average"/>
+                <a:cs typeface="Average"/>
+                <a:sym typeface="Average"/>
               </a:defRPr>
             </a:lvl4pPr>
             <a:lvl5pPr lvl="4" algn="r">
               <a:buNone/>
               <a:defRPr sz="1000">
                 <a:solidFill>
-                  <a:schemeClr val="dk2"/>
+                  <a:schemeClr val="accent3"/>
                 </a:solidFill>
+                <a:latin typeface="Average"/>
+                <a:ea typeface="Average"/>
+                <a:cs typeface="Average"/>
+                <a:sym typeface="Average"/>
               </a:defRPr>
             </a:lvl5pPr>
             <a:lvl6pPr lvl="5" algn="r">
               <a:buNone/>
               <a:defRPr sz="1000">
                 <a:solidFill>
-                  <a:schemeClr val="dk2"/>
+                  <a:schemeClr val="accent3"/>
                 </a:solidFill>
+                <a:latin typeface="Average"/>
+                <a:ea typeface="Average"/>
+                <a:cs typeface="Average"/>
+                <a:sym typeface="Average"/>
               </a:defRPr>
             </a:lvl6pPr>
             <a:lvl7pPr lvl="6" algn="r">
               <a:buNone/>
               <a:defRPr sz="1000">
                 <a:solidFill>
-                  <a:schemeClr val="dk2"/>
+                  <a:schemeClr val="accent3"/>
                 </a:solidFill>
+                <a:latin typeface="Average"/>
+                <a:ea typeface="Average"/>
+                <a:cs typeface="Average"/>
+                <a:sym typeface="Average"/>
               </a:defRPr>
             </a:lvl7pPr>
             <a:lvl8pPr lvl="7" algn="r">
               <a:buNone/>
               <a:defRPr sz="1000">
                 <a:solidFill>
-                  <a:schemeClr val="dk2"/>
+                  <a:schemeClr val="accent3"/>
                 </a:solidFill>
+                <a:latin typeface="Average"/>
+                <a:ea typeface="Average"/>
+                <a:cs typeface="Average"/>
+                <a:sym typeface="Average"/>
               </a:defRPr>
             </a:lvl8pPr>
             <a:lvl9pPr lvl="8" algn="r">
               <a:buNone/>
               <a:defRPr sz="1000">
                 <a:solidFill>
-                  <a:schemeClr val="dk2"/>
+                  <a:schemeClr val="accent3"/>
                 </a:solidFill>
+                <a:latin typeface="Average"/>
+                <a:ea typeface="Average"/>
+                <a:cs typeface="Average"/>
+                <a:sym typeface="Average"/>
               </a:defRPr>
             </a:lvl9pPr>
           </a:lstStyle>
@@ -6739,7 +7766,7 @@
   <p:cSld>
     <p:spTree>
       <p:nvGrpSpPr>
-        <p:cNvPr id="53" name="Shape 53"/>
+        <p:cNvPr id="58" name="Shape 58"/>
         <p:cNvGrpSpPr/>
         <p:nvPr/>
       </p:nvGrpSpPr>
@@ -6753,7 +7780,7 @@
       </p:grpSpPr>
       <p:pic>
         <p:nvPicPr>
-          <p:cNvPr id="54" name="Google Shape;54;p13"/>
+          <p:cNvPr id="59" name="Google Shape;59;p13"/>
           <p:cNvPicPr preferRelativeResize="0"/>
           <p:nvPr/>
         </p:nvPicPr>
@@ -6781,7 +7808,7 @@
       </p:pic>
       <p:sp>
         <p:nvSpPr>
-          <p:cNvPr id="55" name="Google Shape;55;p13"/>
+          <p:cNvPr id="60" name="Google Shape;60;p13"/>
           <p:cNvSpPr txBox="1"/>
           <p:nvPr>
             <p:ph type="ctrTitle"/>
@@ -6880,7 +7907,7 @@
   <p:cSld>
     <p:spTree>
       <p:nvGrpSpPr>
-        <p:cNvPr id="101" name="Shape 101"/>
+        <p:cNvPr id="106" name="Shape 106"/>
         <p:cNvGrpSpPr/>
         <p:nvPr/>
       </p:nvGrpSpPr>
@@ -6894,7 +7921,7 @@
       </p:grpSpPr>
       <p:pic>
         <p:nvPicPr>
-          <p:cNvPr id="102" name="Google Shape;102;p22"/>
+          <p:cNvPr id="107" name="Google Shape;107;p22"/>
           <p:cNvPicPr preferRelativeResize="0"/>
           <p:nvPr/>
         </p:nvPicPr>
@@ -6908,7 +7935,7 @@
         </p:blipFill>
         <p:spPr>
           <a:xfrm>
-            <a:off x="152400" y="152400"/>
+            <a:off x="152400" y="228600"/>
             <a:ext cx="8839200" cy="4610100"/>
           </a:xfrm>
           <a:prstGeom prst="rect">
@@ -6933,7 +7960,7 @@
   <p:cSld>
     <p:spTree>
       <p:nvGrpSpPr>
-        <p:cNvPr id="106" name="Shape 106"/>
+        <p:cNvPr id="111" name="Shape 111"/>
         <p:cNvGrpSpPr/>
         <p:nvPr/>
       </p:nvGrpSpPr>
@@ -6947,7 +7974,7 @@
       </p:grpSpPr>
       <p:sp>
         <p:nvSpPr>
-          <p:cNvPr id="107" name="Google Shape;107;p23"/>
+          <p:cNvPr id="112" name="Google Shape;112;p23"/>
           <p:cNvSpPr txBox="1"/>
           <p:nvPr>
             <p:ph type="title"/>
@@ -6955,8 +7982,8 @@
         </p:nvSpPr>
         <p:spPr>
           <a:xfrm>
-            <a:off x="311700" y="2150850"/>
-            <a:ext cx="8520600" cy="841800"/>
+            <a:off x="671250" y="2141250"/>
+            <a:ext cx="7852200" cy="861000"/>
           </a:xfrm>
           <a:prstGeom prst="rect">
             <a:avLst/>
@@ -6978,10 +8005,20 @@
               <a:buNone/>
             </a:pPr>
             <a:r>
-              <a:rPr lang="en"/>
+              <a:rPr lang="en">
+                <a:latin typeface="Montserrat Medium"/>
+                <a:ea typeface="Montserrat Medium"/>
+                <a:cs typeface="Montserrat Medium"/>
+                <a:sym typeface="Montserrat Medium"/>
+              </a:rPr>
               <a:t>Further Analysis</a:t>
             </a:r>
-            <a:endParaRPr/>
+            <a:endParaRPr>
+              <a:latin typeface="Montserrat Medium"/>
+              <a:ea typeface="Montserrat Medium"/>
+              <a:cs typeface="Montserrat Medium"/>
+              <a:sym typeface="Montserrat Medium"/>
+            </a:endParaRPr>
           </a:p>
         </p:txBody>
       </p:sp>
@@ -6998,7 +8035,7 @@
   <p:cSld>
     <p:spTree>
       <p:nvGrpSpPr>
-        <p:cNvPr id="111" name="Shape 111"/>
+        <p:cNvPr id="116" name="Shape 116"/>
         <p:cNvGrpSpPr/>
         <p:nvPr/>
       </p:nvGrpSpPr>
@@ -7012,7 +8049,7 @@
       </p:grpSpPr>
       <p:pic>
         <p:nvPicPr>
-          <p:cNvPr id="112" name="Google Shape;112;p24"/>
+          <p:cNvPr id="117" name="Google Shape;117;p24"/>
           <p:cNvPicPr preferRelativeResize="0"/>
           <p:nvPr/>
         </p:nvPicPr>
@@ -7051,7 +8088,7 @@
   <p:cSld>
     <p:spTree>
       <p:nvGrpSpPr>
-        <p:cNvPr id="116" name="Shape 116"/>
+        <p:cNvPr id="121" name="Shape 121"/>
         <p:cNvGrpSpPr/>
         <p:nvPr/>
       </p:nvGrpSpPr>
@@ -7065,7 +8102,204 @@
       </p:grpSpPr>
       <p:pic>
         <p:nvPicPr>
-          <p:cNvPr id="117" name="Google Shape;117;p25"/>
+          <p:cNvPr id="122" name="Google Shape;122;p25"/>
+          <p:cNvPicPr preferRelativeResize="0"/>
+          <p:nvPr/>
+        </p:nvPicPr>
+        <p:blipFill>
+          <a:blip r:embed="rId3">
+            <a:alphaModFix/>
+          </a:blip>
+          <a:stretch>
+            <a:fillRect/>
+          </a:stretch>
+        </p:blipFill>
+        <p:spPr>
+          <a:xfrm>
+            <a:off x="461875" y="665400"/>
+            <a:ext cx="3681201" cy="4117500"/>
+          </a:xfrm>
+          <a:prstGeom prst="rect">
+            <a:avLst/>
+          </a:prstGeom>
+          <a:noFill/>
+          <a:ln>
+            <a:noFill/>
+          </a:ln>
+        </p:spPr>
+      </p:pic>
+      <p:sp>
+        <p:nvSpPr>
+          <p:cNvPr id="123" name="Google Shape;123;p25"/>
+          <p:cNvSpPr txBox="1"/>
+          <p:nvPr/>
+        </p:nvSpPr>
+        <p:spPr>
+          <a:xfrm>
+            <a:off x="525875" y="88350"/>
+            <a:ext cx="3553200" cy="432000"/>
+          </a:xfrm>
+          <a:prstGeom prst="rect">
+            <a:avLst/>
+          </a:prstGeom>
+          <a:noFill/>
+          <a:ln>
+            <a:noFill/>
+          </a:ln>
+        </p:spPr>
+        <p:txBody>
+          <a:bodyPr anchorCtr="0" anchor="t" bIns="91425" lIns="91425" spcFirstLastPara="1" rIns="91425" wrap="square" tIns="91425">
+            <a:noAutofit/>
+          </a:bodyPr>
+          <a:lstStyle/>
+          <a:p>
+            <a:pPr indent="0" lvl="0" marL="0" rtl="0" algn="ctr">
+              <a:spcBef>
+                <a:spcPts val="0"/>
+              </a:spcBef>
+              <a:spcAft>
+                <a:spcPts val="0"/>
+              </a:spcAft>
+              <a:buNone/>
+            </a:pPr>
+            <a:r>
+              <a:rPr lang="en" sz="1800">
+                <a:solidFill>
+                  <a:srgbClr val="FFFFFF"/>
+                </a:solidFill>
+                <a:latin typeface="Verdana"/>
+                <a:ea typeface="Verdana"/>
+                <a:cs typeface="Verdana"/>
+                <a:sym typeface="Verdana"/>
+              </a:rPr>
+              <a:t>JetBlue</a:t>
+            </a:r>
+            <a:endParaRPr sz="1800">
+              <a:solidFill>
+                <a:srgbClr val="FFFFFF"/>
+              </a:solidFill>
+              <a:latin typeface="Verdana"/>
+              <a:ea typeface="Verdana"/>
+              <a:cs typeface="Verdana"/>
+              <a:sym typeface="Verdana"/>
+            </a:endParaRPr>
+          </a:p>
+        </p:txBody>
+      </p:sp>
+      <p:sp>
+        <p:nvSpPr>
+          <p:cNvPr id="124" name="Google Shape;124;p25"/>
+          <p:cNvSpPr txBox="1"/>
+          <p:nvPr/>
+        </p:nvSpPr>
+        <p:spPr>
+          <a:xfrm>
+            <a:off x="4940325" y="88350"/>
+            <a:ext cx="3553200" cy="432000"/>
+          </a:xfrm>
+          <a:prstGeom prst="rect">
+            <a:avLst/>
+          </a:prstGeom>
+          <a:noFill/>
+          <a:ln>
+            <a:noFill/>
+          </a:ln>
+        </p:spPr>
+        <p:txBody>
+          <a:bodyPr anchorCtr="0" anchor="t" bIns="91425" lIns="91425" spcFirstLastPara="1" rIns="91425" wrap="square" tIns="91425">
+            <a:noAutofit/>
+          </a:bodyPr>
+          <a:lstStyle/>
+          <a:p>
+            <a:pPr indent="0" lvl="0" marL="0" rtl="0" algn="ctr">
+              <a:spcBef>
+                <a:spcPts val="0"/>
+              </a:spcBef>
+              <a:spcAft>
+                <a:spcPts val="0"/>
+              </a:spcAft>
+              <a:buNone/>
+            </a:pPr>
+            <a:r>
+              <a:rPr lang="en" sz="1800">
+                <a:solidFill>
+                  <a:srgbClr val="FFFFFF"/>
+                </a:solidFill>
+                <a:latin typeface="Verdana"/>
+                <a:ea typeface="Verdana"/>
+                <a:cs typeface="Verdana"/>
+                <a:sym typeface="Verdana"/>
+              </a:rPr>
+              <a:t>WestJet</a:t>
+            </a:r>
+            <a:endParaRPr sz="1800">
+              <a:solidFill>
+                <a:srgbClr val="FFFFFF"/>
+              </a:solidFill>
+              <a:latin typeface="Verdana"/>
+              <a:ea typeface="Verdana"/>
+              <a:cs typeface="Verdana"/>
+              <a:sym typeface="Verdana"/>
+            </a:endParaRPr>
+          </a:p>
+        </p:txBody>
+      </p:sp>
+      <p:pic>
+        <p:nvPicPr>
+          <p:cNvPr id="125" name="Google Shape;125;p25"/>
+          <p:cNvPicPr preferRelativeResize="0"/>
+          <p:nvPr/>
+        </p:nvPicPr>
+        <p:blipFill>
+          <a:blip r:embed="rId4">
+            <a:alphaModFix/>
+          </a:blip>
+          <a:stretch>
+            <a:fillRect/>
+          </a:stretch>
+        </p:blipFill>
+        <p:spPr>
+          <a:xfrm>
+            <a:off x="4876325" y="640397"/>
+            <a:ext cx="3681200" cy="4142503"/>
+          </a:xfrm>
+          <a:prstGeom prst="rect">
+            <a:avLst/>
+          </a:prstGeom>
+          <a:noFill/>
+          <a:ln>
+            <a:noFill/>
+          </a:ln>
+        </p:spPr>
+      </p:pic>
+    </p:spTree>
+  </p:cSld>
+  <p:clrMapOvr>
+    <a:masterClrMapping/>
+  </p:clrMapOvr>
+</p:sld>
+</file>
+
+<file path=ppt/slides/slide14.xml><?xml version="1.0" encoding="utf-8"?>
+<p:sld xmlns:a="http://schemas.openxmlformats.org/drawingml/2006/main" xmlns:r="http://schemas.openxmlformats.org/officeDocument/2006/relationships" xmlns:mc="http://schemas.openxmlformats.org/markup-compatibility/2006" xmlns:mv="urn:schemas-microsoft-com:mac:vml" xmlns:p="http://schemas.openxmlformats.org/presentationml/2006/main" xmlns:c="http://schemas.openxmlformats.org/drawingml/2006/chart" xmlns:dgm="http://schemas.openxmlformats.org/drawingml/2006/diagram" xmlns:o="urn:schemas-microsoft-com:office:office" xmlns:v="urn:schemas-microsoft-com:vml" xmlns:pvml="urn:schemas-microsoft-com:office:powerpoint" xmlns:com="http://schemas.openxmlformats.org/drawingml/2006/compatibility" xmlns:p14="http://schemas.microsoft.com/office/powerpoint/2010/main" xmlns:p15="http://schemas.microsoft.com/office/powerpoint/2012/main">
+  <p:cSld>
+    <p:spTree>
+      <p:nvGrpSpPr>
+        <p:cNvPr id="129" name="Shape 129"/>
+        <p:cNvGrpSpPr/>
+        <p:nvPr/>
+      </p:nvGrpSpPr>
+      <p:grpSpPr>
+        <a:xfrm>
+          <a:off x="0" y="0"/>
+          <a:ext cx="0" cy="0"/>
+          <a:chOff x="0" y="0"/>
+          <a:chExt cx="0" cy="0"/>
+        </a:xfrm>
+      </p:grpSpPr>
+      <p:pic>
+        <p:nvPicPr>
+          <p:cNvPr id="130" name="Google Shape;130;p26"/>
           <p:cNvPicPr preferRelativeResize="0"/>
           <p:nvPr/>
         </p:nvPicPr>
@@ -7099,12 +8333,12 @@
 </p:sld>
 </file>
 
-<file path=ppt/slides/slide14.xml><?xml version="1.0" encoding="utf-8"?>
+<file path=ppt/slides/slide15.xml><?xml version="1.0" encoding="utf-8"?>
 <p:sld xmlns:a="http://schemas.openxmlformats.org/drawingml/2006/main" xmlns:r="http://schemas.openxmlformats.org/officeDocument/2006/relationships" xmlns:mc="http://schemas.openxmlformats.org/markup-compatibility/2006" xmlns:mv="urn:schemas-microsoft-com:mac:vml" xmlns:p="http://schemas.openxmlformats.org/presentationml/2006/main" xmlns:c="http://schemas.openxmlformats.org/drawingml/2006/chart" xmlns:dgm="http://schemas.openxmlformats.org/drawingml/2006/diagram" xmlns:o="urn:schemas-microsoft-com:office:office" xmlns:v="urn:schemas-microsoft-com:vml" xmlns:pvml="urn:schemas-microsoft-com:office:powerpoint" xmlns:com="http://schemas.openxmlformats.org/drawingml/2006/compatibility" xmlns:p14="http://schemas.microsoft.com/office/powerpoint/2010/main" xmlns:p15="http://schemas.microsoft.com/office/powerpoint/2012/main">
   <p:cSld>
     <p:spTree>
       <p:nvGrpSpPr>
-        <p:cNvPr id="121" name="Shape 121"/>
+        <p:cNvPr id="134" name="Shape 134"/>
         <p:cNvGrpSpPr/>
         <p:nvPr/>
       </p:nvGrpSpPr>
@@ -7118,7 +8352,7 @@
       </p:grpSpPr>
       <p:sp>
         <p:nvSpPr>
-          <p:cNvPr id="122" name="Google Shape;122;p26"/>
+          <p:cNvPr id="135" name="Google Shape;135;p27"/>
           <p:cNvSpPr txBox="1"/>
           <p:nvPr>
             <p:ph type="title"/>
@@ -7149,16 +8383,26 @@
               <a:buNone/>
             </a:pPr>
             <a:r>
-              <a:rPr lang="en"/>
+              <a:rPr lang="en">
+                <a:latin typeface="Verdana"/>
+                <a:ea typeface="Verdana"/>
+                <a:cs typeface="Verdana"/>
+                <a:sym typeface="Verdana"/>
+              </a:rPr>
               <a:t>Conclusions</a:t>
             </a:r>
-            <a:endParaRPr/>
+            <a:endParaRPr>
+              <a:latin typeface="Verdana"/>
+              <a:ea typeface="Verdana"/>
+              <a:cs typeface="Verdana"/>
+              <a:sym typeface="Verdana"/>
+            </a:endParaRPr>
           </a:p>
         </p:txBody>
       </p:sp>
       <p:sp>
         <p:nvSpPr>
-          <p:cNvPr id="123" name="Google Shape;123;p26"/>
+          <p:cNvPr id="136" name="Google Shape;136;p27"/>
           <p:cNvSpPr txBox="1"/>
           <p:nvPr>
             <p:ph idx="1" type="body"/>
@@ -7179,72 +8423,164 @@
           </a:bodyPr>
           <a:lstStyle/>
           <a:p>
-            <a:pPr indent="-342900" lvl="0" marL="457200" rtl="0" algn="l">
-              <a:spcBef>
-                <a:spcPts val="0"/>
-              </a:spcBef>
-              <a:spcAft>
-                <a:spcPts val="0"/>
-              </a:spcAft>
-              <a:buSzPts val="1800"/>
+            <a:pPr indent="-355600" lvl="0" marL="457200" rtl="0" algn="l">
+              <a:spcBef>
+                <a:spcPts val="0"/>
+              </a:spcBef>
+              <a:spcAft>
+                <a:spcPts val="0"/>
+              </a:spcAft>
+              <a:buSzPts val="2000"/>
               <a:buChar char="●"/>
             </a:pPr>
             <a:r>
-              <a:rPr lang="en"/>
+              <a:rPr lang="en" sz="2000"/>
               <a:t>Flights are most expensive during the middle of each season</a:t>
             </a:r>
-            <a:endParaRPr/>
+            <a:endParaRPr sz="2000"/>
           </a:p>
           <a:p>
-            <a:pPr indent="-342900" lvl="0" marL="457200" rtl="0" algn="l">
-              <a:spcBef>
-                <a:spcPts val="0"/>
-              </a:spcBef>
-              <a:spcAft>
-                <a:spcPts val="0"/>
-              </a:spcAft>
-              <a:buSzPts val="1800"/>
+            <a:pPr indent="-355600" lvl="0" marL="457200" rtl="0" algn="l">
+              <a:spcBef>
+                <a:spcPts val="0"/>
+              </a:spcBef>
+              <a:spcAft>
+                <a:spcPts val="0"/>
+              </a:spcAft>
+              <a:buSzPts val="2000"/>
               <a:buChar char="●"/>
             </a:pPr>
             <a:r>
-              <a:rPr lang="en"/>
+              <a:rPr lang="en" sz="2000"/>
               <a:t>Best day of the week to buy flights IS Tuesday</a:t>
             </a:r>
-            <a:endParaRPr/>
+            <a:endParaRPr sz="2000"/>
           </a:p>
           <a:p>
-            <a:pPr indent="-342900" lvl="0" marL="457200" rtl="0" algn="l">
-              <a:spcBef>
-                <a:spcPts val="0"/>
-              </a:spcBef>
-              <a:spcAft>
-                <a:spcPts val="0"/>
-              </a:spcAft>
-              <a:buSzPts val="1800"/>
+            <a:pPr indent="-355600" lvl="0" marL="457200" rtl="0" algn="l">
+              <a:spcBef>
+                <a:spcPts val="0"/>
+              </a:spcBef>
+              <a:spcAft>
+                <a:spcPts val="0"/>
+              </a:spcAft>
+              <a:buSzPts val="2000"/>
               <a:buChar char="●"/>
             </a:pPr>
             <a:r>
-              <a:rPr lang="en"/>
-              <a:t>JFK has the best flights based on median Fly Score</a:t>
+              <a:rPr lang="en" sz="2000"/>
+              <a:t>JFK has the best quality of flights, LGA has the worst</a:t>
             </a:r>
-            <a:endParaRPr/>
+            <a:endParaRPr sz="2000"/>
           </a:p>
           <a:p>
-            <a:pPr indent="-342900" lvl="0" marL="457200" rtl="0" algn="l">
-              <a:spcBef>
-                <a:spcPts val="0"/>
-              </a:spcBef>
-              <a:spcAft>
-                <a:spcPts val="0"/>
-              </a:spcAft>
-              <a:buSzPts val="1800"/>
+            <a:pPr indent="-355600" lvl="0" marL="457200" rtl="0" algn="l">
+              <a:spcBef>
+                <a:spcPts val="0"/>
+              </a:spcBef>
+              <a:spcAft>
+                <a:spcPts val="0"/>
+              </a:spcAft>
+              <a:buSzPts val="2000"/>
               <a:buChar char="●"/>
             </a:pPr>
             <a:r>
-              <a:rPr lang="en"/>
+              <a:rPr lang="en" sz="2000"/>
               <a:t>Distribution of flight prices</a:t>
             </a:r>
-            <a:endParaRPr/>
+            <a:endParaRPr sz="2000"/>
+          </a:p>
+          <a:p>
+            <a:pPr indent="-355600" lvl="0" marL="457200" rtl="0" algn="l">
+              <a:spcBef>
+                <a:spcPts val="0"/>
+              </a:spcBef>
+              <a:spcAft>
+                <a:spcPts val="0"/>
+              </a:spcAft>
+              <a:buSzPts val="2000"/>
+              <a:buChar char="●"/>
+            </a:pPr>
+            <a:r>
+              <a:rPr lang="en" sz="2000"/>
+              <a:t>Future work</a:t>
+            </a:r>
+            <a:endParaRPr sz="2000"/>
+          </a:p>
+        </p:txBody>
+      </p:sp>
+    </p:spTree>
+  </p:cSld>
+  <p:clrMapOvr>
+    <a:masterClrMapping/>
+  </p:clrMapOvr>
+</p:sld>
+</file>
+
+<file path=ppt/slides/slide16.xml><?xml version="1.0" encoding="utf-8"?>
+<p:sld xmlns:a="http://schemas.openxmlformats.org/drawingml/2006/main" xmlns:r="http://schemas.openxmlformats.org/officeDocument/2006/relationships" xmlns:mc="http://schemas.openxmlformats.org/markup-compatibility/2006" xmlns:mv="urn:schemas-microsoft-com:mac:vml" xmlns:p="http://schemas.openxmlformats.org/presentationml/2006/main" xmlns:c="http://schemas.openxmlformats.org/drawingml/2006/chart" xmlns:dgm="http://schemas.openxmlformats.org/drawingml/2006/diagram" xmlns:o="urn:schemas-microsoft-com:office:office" xmlns:v="urn:schemas-microsoft-com:vml" xmlns:pvml="urn:schemas-microsoft-com:office:powerpoint" xmlns:com="http://schemas.openxmlformats.org/drawingml/2006/compatibility" xmlns:p14="http://schemas.microsoft.com/office/powerpoint/2010/main" xmlns:p15="http://schemas.microsoft.com/office/powerpoint/2012/main">
+  <p:cSld>
+    <p:spTree>
+      <p:nvGrpSpPr>
+        <p:cNvPr id="140" name="Shape 140"/>
+        <p:cNvGrpSpPr/>
+        <p:nvPr/>
+      </p:nvGrpSpPr>
+      <p:grpSpPr>
+        <a:xfrm>
+          <a:off x="0" y="0"/>
+          <a:ext cx="0" cy="0"/>
+          <a:chOff x="0" y="0"/>
+          <a:chExt cx="0" cy="0"/>
+        </a:xfrm>
+      </p:grpSpPr>
+      <p:sp>
+        <p:nvSpPr>
+          <p:cNvPr id="141" name="Google Shape;141;p28"/>
+          <p:cNvSpPr txBox="1"/>
+          <p:nvPr>
+            <p:ph type="title"/>
+          </p:nvPr>
+        </p:nvSpPr>
+        <p:spPr>
+          <a:xfrm>
+            <a:off x="671250" y="2141250"/>
+            <a:ext cx="7852200" cy="861000"/>
+          </a:xfrm>
+          <a:prstGeom prst="rect">
+            <a:avLst/>
+          </a:prstGeom>
+        </p:spPr>
+        <p:txBody>
+          <a:bodyPr anchorCtr="0" anchor="ctr" bIns="91425" lIns="91425" spcFirstLastPara="1" rIns="91425" wrap="square" tIns="91425">
+            <a:noAutofit/>
+          </a:bodyPr>
+          <a:lstStyle/>
+          <a:p>
+            <a:pPr indent="0" lvl="0" marL="0" rtl="0" algn="ctr">
+              <a:spcBef>
+                <a:spcPts val="0"/>
+              </a:spcBef>
+              <a:spcAft>
+                <a:spcPts val="0"/>
+              </a:spcAft>
+              <a:buNone/>
+            </a:pPr>
+            <a:r>
+              <a:rPr lang="en">
+                <a:latin typeface="Montserrat Medium"/>
+                <a:ea typeface="Montserrat Medium"/>
+                <a:cs typeface="Montserrat Medium"/>
+                <a:sym typeface="Montserrat Medium"/>
+              </a:rPr>
+              <a:t>Questions?</a:t>
+            </a:r>
+            <a:endParaRPr>
+              <a:latin typeface="Montserrat Medium"/>
+              <a:ea typeface="Montserrat Medium"/>
+              <a:cs typeface="Montserrat Medium"/>
+              <a:sym typeface="Montserrat Medium"/>
+            </a:endParaRPr>
           </a:p>
         </p:txBody>
       </p:sp>
@@ -7261,7 +8597,7 @@
   <p:cSld>
     <p:spTree>
       <p:nvGrpSpPr>
-        <p:cNvPr id="59" name="Shape 59"/>
+        <p:cNvPr id="64" name="Shape 64"/>
         <p:cNvGrpSpPr/>
         <p:nvPr/>
       </p:nvGrpSpPr>
@@ -7275,7 +8611,7 @@
       </p:grpSpPr>
       <p:sp>
         <p:nvSpPr>
-          <p:cNvPr id="60" name="Google Shape;60;p14"/>
+          <p:cNvPr id="65" name="Google Shape;65;p14"/>
           <p:cNvSpPr txBox="1"/>
           <p:nvPr>
             <p:ph type="title"/>
@@ -7306,16 +8642,26 @@
               <a:buNone/>
             </a:pPr>
             <a:r>
-              <a:rPr lang="en"/>
+              <a:rPr lang="en">
+                <a:latin typeface="Montserrat Medium"/>
+                <a:ea typeface="Montserrat Medium"/>
+                <a:cs typeface="Montserrat Medium"/>
+                <a:sym typeface="Montserrat Medium"/>
+              </a:rPr>
               <a:t>Methodology</a:t>
             </a:r>
-            <a:endParaRPr/>
+            <a:endParaRPr>
+              <a:latin typeface="Montserrat Medium"/>
+              <a:ea typeface="Montserrat Medium"/>
+              <a:cs typeface="Montserrat Medium"/>
+              <a:sym typeface="Montserrat Medium"/>
+            </a:endParaRPr>
           </a:p>
         </p:txBody>
       </p:sp>
       <p:sp>
         <p:nvSpPr>
-          <p:cNvPr id="61" name="Google Shape;61;p14"/>
+          <p:cNvPr id="66" name="Google Shape;66;p14"/>
           <p:cNvSpPr txBox="1"/>
           <p:nvPr>
             <p:ph idx="1" type="body"/>
@@ -7336,38 +8682,38 @@
           </a:bodyPr>
           <a:lstStyle/>
           <a:p>
-            <a:pPr indent="-342900" lvl="0" marL="457200" rtl="0" algn="l">
-              <a:spcBef>
-                <a:spcPts val="0"/>
-              </a:spcBef>
-              <a:spcAft>
-                <a:spcPts val="0"/>
-              </a:spcAft>
-              <a:buSzPts val="1800"/>
+            <a:pPr indent="-355600" lvl="0" marL="457200" rtl="0" algn="l">
+              <a:spcBef>
+                <a:spcPts val="0"/>
+              </a:spcBef>
+              <a:spcAft>
+                <a:spcPts val="0"/>
+              </a:spcAft>
+              <a:buSzPts val="2000"/>
               <a:buChar char="●"/>
             </a:pPr>
             <a:r>
-              <a:rPr lang="en"/>
+              <a:rPr lang="en" sz="2000"/>
               <a:t>Deployed Selenium to scrape TripAdvisor (dynamic site)</a:t>
             </a:r>
-            <a:endParaRPr/>
+            <a:endParaRPr sz="2000"/>
           </a:p>
           <a:p>
-            <a:pPr indent="-342900" lvl="0" marL="457200" rtl="0" algn="l">
-              <a:spcBef>
-                <a:spcPts val="0"/>
-              </a:spcBef>
-              <a:spcAft>
-                <a:spcPts val="0"/>
-              </a:spcAft>
-              <a:buSzPts val="1800"/>
+            <a:pPr indent="-355600" lvl="0" marL="457200" rtl="0" algn="l">
+              <a:spcBef>
+                <a:spcPts val="0"/>
+              </a:spcBef>
+              <a:spcAft>
+                <a:spcPts val="0"/>
+              </a:spcAft>
+              <a:buSzPts val="2000"/>
               <a:buChar char="●"/>
             </a:pPr>
             <a:r>
-              <a:rPr lang="en"/>
+              <a:rPr lang="en" sz="2000"/>
               <a:t>Eight total features extracted</a:t>
             </a:r>
-            <a:endParaRPr/>
+            <a:endParaRPr sz="2000"/>
           </a:p>
           <a:p>
             <a:pPr indent="-317500" lvl="1" marL="914400" rtl="0" algn="l">
@@ -7506,38 +8852,54 @@
             <a:endParaRPr/>
           </a:p>
           <a:p>
-            <a:pPr indent="-342900" lvl="0" marL="457200" rtl="0" algn="l">
-              <a:spcBef>
-                <a:spcPts val="0"/>
-              </a:spcBef>
-              <a:spcAft>
-                <a:spcPts val="0"/>
-              </a:spcAft>
-              <a:buSzPts val="1800"/>
+            <a:pPr indent="-355600" lvl="0" marL="457200" rtl="0" algn="l">
+              <a:spcBef>
+                <a:spcPts val="0"/>
+              </a:spcBef>
+              <a:spcAft>
+                <a:spcPts val="0"/>
+              </a:spcAft>
+              <a:buSzPts val="2000"/>
               <a:buChar char="●"/>
             </a:pPr>
             <a:r>
-              <a:rPr lang="en"/>
-              <a:t>Added day of the week and month once data frame was created</a:t>
+              <a:rPr lang="en" sz="2000"/>
+              <a:t>Added </a:t>
             </a:r>
-            <a:endParaRPr/>
+            <a:r>
+              <a:rPr i="1" lang="en" sz="2000"/>
+              <a:t>day of the week</a:t>
+            </a:r>
+            <a:r>
+              <a:rPr lang="en" sz="2000"/>
+              <a:t> and </a:t>
+            </a:r>
+            <a:r>
+              <a:rPr i="1" lang="en" sz="2000"/>
+              <a:t>month</a:t>
+            </a:r>
+            <a:r>
+              <a:rPr lang="en" sz="2000"/>
+              <a:t> once data frame was created</a:t>
+            </a:r>
+            <a:endParaRPr sz="2000"/>
           </a:p>
           <a:p>
-            <a:pPr indent="-342900" lvl="0" marL="457200" rtl="0" algn="l">
-              <a:spcBef>
-                <a:spcPts val="0"/>
-              </a:spcBef>
-              <a:spcAft>
-                <a:spcPts val="0"/>
-              </a:spcAft>
-              <a:buSzPts val="1800"/>
+            <a:pPr indent="-355600" lvl="0" marL="457200" rtl="0" algn="l">
+              <a:spcBef>
+                <a:spcPts val="0"/>
+              </a:spcBef>
+              <a:spcAft>
+                <a:spcPts val="0"/>
+              </a:spcAft>
+              <a:buSzPts val="2000"/>
               <a:buChar char="●"/>
             </a:pPr>
             <a:r>
-              <a:rPr lang="en"/>
+              <a:rPr lang="en" sz="2000"/>
               <a:t>Constraint: flight deals unavailable past 12/21/2020</a:t>
             </a:r>
-            <a:endParaRPr/>
+            <a:endParaRPr sz="2000"/>
           </a:p>
         </p:txBody>
       </p:sp>
@@ -7554,7 +8916,7 @@
   <p:cSld>
     <p:spTree>
       <p:nvGrpSpPr>
-        <p:cNvPr id="65" name="Shape 65"/>
+        <p:cNvPr id="70" name="Shape 70"/>
         <p:cNvGrpSpPr/>
         <p:nvPr/>
       </p:nvGrpSpPr>
@@ -7568,7 +8930,7 @@
       </p:grpSpPr>
       <p:sp>
         <p:nvSpPr>
-          <p:cNvPr id="66" name="Google Shape;66;p15"/>
+          <p:cNvPr id="71" name="Google Shape;71;p15"/>
           <p:cNvSpPr txBox="1"/>
           <p:nvPr>
             <p:ph type="title"/>
@@ -7599,16 +8961,26 @@
               <a:buNone/>
             </a:pPr>
             <a:r>
-              <a:rPr lang="en"/>
+              <a:rPr lang="en">
+                <a:latin typeface="Montserrat Medium"/>
+                <a:ea typeface="Montserrat Medium"/>
+                <a:cs typeface="Montserrat Medium"/>
+                <a:sym typeface="Montserrat Medium"/>
+              </a:rPr>
               <a:t>Overview</a:t>
             </a:r>
-            <a:endParaRPr/>
+            <a:endParaRPr>
+              <a:latin typeface="Montserrat Medium"/>
+              <a:ea typeface="Montserrat Medium"/>
+              <a:cs typeface="Montserrat Medium"/>
+              <a:sym typeface="Montserrat Medium"/>
+            </a:endParaRPr>
           </a:p>
         </p:txBody>
       </p:sp>
       <p:sp>
         <p:nvSpPr>
-          <p:cNvPr id="67" name="Google Shape;67;p15"/>
+          <p:cNvPr id="72" name="Google Shape;72;p15"/>
           <p:cNvSpPr txBox="1"/>
           <p:nvPr>
             <p:ph idx="1" type="body"/>
@@ -7629,135 +9001,135 @@
           </a:bodyPr>
           <a:lstStyle/>
           <a:p>
-            <a:pPr indent="-342900" lvl="0" marL="457200" rtl="0" algn="l">
-              <a:spcBef>
-                <a:spcPts val="0"/>
-              </a:spcBef>
-              <a:spcAft>
-                <a:spcPts val="0"/>
-              </a:spcAft>
-              <a:buSzPts val="1800"/>
+            <a:pPr indent="-355600" lvl="0" marL="457200" rtl="0" algn="l">
+              <a:spcBef>
+                <a:spcPts val="0"/>
+              </a:spcBef>
+              <a:spcAft>
+                <a:spcPts val="0"/>
+              </a:spcAft>
+              <a:buSzPts val="2000"/>
               <a:buChar char="●"/>
             </a:pPr>
             <a:r>
-              <a:rPr b="1" lang="en"/>
+              <a:rPr b="1" lang="en" sz="2000"/>
               <a:t>Questions</a:t>
             </a:r>
-            <a:endParaRPr b="1"/>
+            <a:endParaRPr b="1" sz="2000"/>
           </a:p>
           <a:p>
-            <a:pPr indent="-342900" lvl="0" marL="914400" rtl="0" algn="l">
-              <a:spcBef>
-                <a:spcPts val="0"/>
-              </a:spcBef>
-              <a:spcAft>
-                <a:spcPts val="0"/>
-              </a:spcAft>
-              <a:buSzPts val="1800"/>
+            <a:pPr indent="-355600" lvl="0" marL="914400" rtl="0" algn="l">
+              <a:spcBef>
+                <a:spcPts val="0"/>
+              </a:spcBef>
+              <a:spcAft>
+                <a:spcPts val="0"/>
+              </a:spcAft>
+              <a:buSzPts val="2000"/>
               <a:buAutoNum type="arabicPeriod"/>
             </a:pPr>
             <a:r>
-              <a:rPr lang="en"/>
+              <a:rPr lang="en" sz="2000"/>
               <a:t>How do prices fluctuate over a given year</a:t>
             </a:r>
             <a:r>
-              <a:rPr lang="en"/>
+              <a:rPr lang="en" sz="2000"/>
               <a:t>?</a:t>
             </a:r>
-            <a:endParaRPr/>
+            <a:endParaRPr sz="2000"/>
           </a:p>
           <a:p>
-            <a:pPr indent="-342900" lvl="0" marL="914400" rtl="0" algn="l">
-              <a:spcBef>
-                <a:spcPts val="0"/>
-              </a:spcBef>
-              <a:spcAft>
-                <a:spcPts val="0"/>
-              </a:spcAft>
-              <a:buSzPts val="1800"/>
+            <a:pPr indent="-355600" lvl="0" marL="914400" rtl="0" algn="l">
+              <a:spcBef>
+                <a:spcPts val="0"/>
+              </a:spcBef>
+              <a:spcAft>
+                <a:spcPts val="0"/>
+              </a:spcAft>
+              <a:buSzPts val="2000"/>
               <a:buAutoNum type="arabicPeriod"/>
             </a:pPr>
             <a:r>
-              <a:rPr lang="en"/>
+              <a:rPr lang="en" sz="2000"/>
               <a:t>Is Tuesday </a:t>
             </a:r>
             <a:r>
-              <a:rPr i="1" lang="en"/>
+              <a:rPr b="1" i="1" lang="en" sz="2000"/>
               <a:t>really</a:t>
             </a:r>
             <a:r>
-              <a:rPr lang="en"/>
+              <a:rPr lang="en" sz="2000"/>
               <a:t> the best day of the week to book a flight?</a:t>
             </a:r>
-            <a:endParaRPr/>
+            <a:endParaRPr sz="2000"/>
           </a:p>
           <a:p>
-            <a:pPr indent="-342900" lvl="0" marL="914400" rtl="0" algn="l">
-              <a:spcBef>
-                <a:spcPts val="0"/>
-              </a:spcBef>
-              <a:spcAft>
-                <a:spcPts val="0"/>
-              </a:spcAft>
-              <a:buSzPts val="1800"/>
+            <a:pPr indent="-355600" lvl="0" marL="914400" rtl="0" algn="l">
+              <a:spcBef>
+                <a:spcPts val="0"/>
+              </a:spcBef>
+              <a:spcAft>
+                <a:spcPts val="0"/>
+              </a:spcAft>
+              <a:buSzPts val="2000"/>
               <a:buAutoNum type="arabicPeriod"/>
             </a:pPr>
             <a:r>
-              <a:rPr lang="en"/>
+              <a:rPr lang="en" sz="2000"/>
               <a:t>What does the data say about the three NYC airports?</a:t>
             </a:r>
-            <a:endParaRPr/>
+            <a:endParaRPr sz="2000"/>
           </a:p>
           <a:p>
-            <a:pPr indent="-342900" lvl="0" marL="457200" rtl="0" algn="l">
-              <a:spcBef>
-                <a:spcPts val="0"/>
-              </a:spcBef>
-              <a:spcAft>
-                <a:spcPts val="0"/>
-              </a:spcAft>
-              <a:buSzPts val="1800"/>
+            <a:pPr indent="-355600" lvl="0" marL="457200" rtl="0" algn="l">
+              <a:spcBef>
+                <a:spcPts val="0"/>
+              </a:spcBef>
+              <a:spcAft>
+                <a:spcPts val="0"/>
+              </a:spcAft>
+              <a:buSzPts val="2000"/>
               <a:buChar char="●"/>
             </a:pPr>
             <a:r>
-              <a:rPr b="1" lang="en"/>
+              <a:rPr b="1" lang="en" sz="2000"/>
               <a:t>Findings</a:t>
             </a:r>
-            <a:endParaRPr b="1"/>
+            <a:endParaRPr b="1" sz="2000"/>
           </a:p>
           <a:p>
-            <a:pPr indent="-342900" lvl="0" marL="457200" rtl="0" algn="l">
-              <a:spcBef>
-                <a:spcPts val="0"/>
-              </a:spcBef>
-              <a:spcAft>
-                <a:spcPts val="0"/>
-              </a:spcAft>
-              <a:buSzPts val="1800"/>
+            <a:pPr indent="-355600" lvl="0" marL="457200" rtl="0" algn="l">
+              <a:spcBef>
+                <a:spcPts val="0"/>
+              </a:spcBef>
+              <a:spcAft>
+                <a:spcPts val="0"/>
+              </a:spcAft>
+              <a:buSzPts val="2000"/>
               <a:buChar char="●"/>
             </a:pPr>
             <a:r>
-              <a:rPr b="1" lang="en"/>
-              <a:t>Discussion</a:t>
+              <a:rPr b="1" lang="en" sz="2000"/>
+              <a:t>Further Analysis</a:t>
             </a:r>
-            <a:endParaRPr b="1"/>
+            <a:endParaRPr b="1" sz="2000"/>
           </a:p>
           <a:p>
-            <a:pPr indent="-342900" lvl="0" marL="457200" rtl="0" algn="l">
-              <a:spcBef>
-                <a:spcPts val="0"/>
-              </a:spcBef>
-              <a:spcAft>
-                <a:spcPts val="0"/>
-              </a:spcAft>
-              <a:buSzPts val="1800"/>
+            <a:pPr indent="-355600" lvl="0" marL="457200" rtl="0" algn="l">
+              <a:spcBef>
+                <a:spcPts val="0"/>
+              </a:spcBef>
+              <a:spcAft>
+                <a:spcPts val="0"/>
+              </a:spcAft>
+              <a:buSzPts val="2000"/>
               <a:buChar char="●"/>
             </a:pPr>
             <a:r>
-              <a:rPr b="1" lang="en"/>
+              <a:rPr b="1" lang="en" sz="2000"/>
               <a:t>Conclusions</a:t>
             </a:r>
-            <a:endParaRPr b="1"/>
+            <a:endParaRPr b="1" sz="2000"/>
           </a:p>
           <a:p>
             <a:pPr indent="0" lvl="0" marL="0" rtl="0" algn="l">
@@ -7789,7 +9161,7 @@
   <p:cSld>
     <p:spTree>
       <p:nvGrpSpPr>
-        <p:cNvPr id="71" name="Shape 71"/>
+        <p:cNvPr id="76" name="Shape 76"/>
         <p:cNvGrpSpPr/>
         <p:nvPr/>
       </p:nvGrpSpPr>
@@ -7803,7 +9175,7 @@
       </p:grpSpPr>
       <p:sp>
         <p:nvSpPr>
-          <p:cNvPr id="72" name="Google Shape;72;p16"/>
+          <p:cNvPr id="77" name="Google Shape;77;p16"/>
           <p:cNvSpPr txBox="1"/>
           <p:nvPr>
             <p:ph type="title"/>
@@ -7811,8 +9183,8 @@
         </p:nvSpPr>
         <p:spPr>
           <a:xfrm>
-            <a:off x="311700" y="2150850"/>
-            <a:ext cx="8520600" cy="841800"/>
+            <a:off x="671250" y="2141250"/>
+            <a:ext cx="7852200" cy="861000"/>
           </a:xfrm>
           <a:prstGeom prst="rect">
             <a:avLst/>
@@ -7832,13 +9204,24 @@
                 <a:spcPts val="0"/>
               </a:spcAft>
               <a:buSzPts val="3600"/>
+              <a:buFont typeface="Montserrat Medium"/>
               <a:buAutoNum type="arabicPeriod"/>
             </a:pPr>
             <a:r>
-              <a:rPr lang="en"/>
+              <a:rPr lang="en">
+                <a:latin typeface="Montserrat Medium"/>
+                <a:ea typeface="Montserrat Medium"/>
+                <a:cs typeface="Montserrat Medium"/>
+                <a:sym typeface="Montserrat Medium"/>
+              </a:rPr>
               <a:t>Price fluctuation over a year?</a:t>
             </a:r>
-            <a:endParaRPr/>
+            <a:endParaRPr>
+              <a:latin typeface="Montserrat Medium"/>
+              <a:ea typeface="Montserrat Medium"/>
+              <a:cs typeface="Montserrat Medium"/>
+              <a:sym typeface="Montserrat Medium"/>
+            </a:endParaRPr>
           </a:p>
         </p:txBody>
       </p:sp>
@@ -7855,7 +9238,7 @@
   <p:cSld>
     <p:spTree>
       <p:nvGrpSpPr>
-        <p:cNvPr id="76" name="Shape 76"/>
+        <p:cNvPr id="81" name="Shape 81"/>
         <p:cNvGrpSpPr/>
         <p:nvPr/>
       </p:nvGrpSpPr>
@@ -7869,7 +9252,7 @@
       </p:grpSpPr>
       <p:pic>
         <p:nvPicPr>
-          <p:cNvPr id="77" name="Google Shape;77;p17"/>
+          <p:cNvPr id="82" name="Google Shape;82;p17"/>
           <p:cNvPicPr preferRelativeResize="0"/>
           <p:nvPr/>
         </p:nvPicPr>
@@ -7908,7 +9291,7 @@
   <p:cSld>
     <p:spTree>
       <p:nvGrpSpPr>
-        <p:cNvPr id="81" name="Shape 81"/>
+        <p:cNvPr id="86" name="Shape 86"/>
         <p:cNvGrpSpPr/>
         <p:nvPr/>
       </p:nvGrpSpPr>
@@ -7922,7 +9305,7 @@
       </p:grpSpPr>
       <p:pic>
         <p:nvPicPr>
-          <p:cNvPr id="82" name="Google Shape;82;p18"/>
+          <p:cNvPr id="87" name="Google Shape;87;p18"/>
           <p:cNvPicPr preferRelativeResize="0"/>
           <p:nvPr/>
         </p:nvPicPr>
@@ -7936,7 +9319,7 @@
         </p:blipFill>
         <p:spPr>
           <a:xfrm>
-            <a:off x="255325" y="356663"/>
+            <a:off x="255325" y="204263"/>
             <a:ext cx="8633351" cy="4430162"/>
           </a:xfrm>
           <a:prstGeom prst="rect">
@@ -7961,7 +9344,7 @@
   <p:cSld>
     <p:spTree>
       <p:nvGrpSpPr>
-        <p:cNvPr id="86" name="Shape 86"/>
+        <p:cNvPr id="91" name="Shape 91"/>
         <p:cNvGrpSpPr/>
         <p:nvPr/>
       </p:nvGrpSpPr>
@@ -7975,7 +9358,7 @@
       </p:grpSpPr>
       <p:sp>
         <p:nvSpPr>
-          <p:cNvPr id="87" name="Google Shape;87;p19"/>
+          <p:cNvPr id="92" name="Google Shape;92;p19"/>
           <p:cNvSpPr txBox="1"/>
           <p:nvPr>
             <p:ph type="title"/>
@@ -8006,10 +9389,20 @@
               <a:buNone/>
             </a:pPr>
             <a:r>
-              <a:rPr lang="en"/>
+              <a:rPr lang="en">
+                <a:latin typeface="Montserrat Medium"/>
+                <a:ea typeface="Montserrat Medium"/>
+                <a:cs typeface="Montserrat Medium"/>
+                <a:sym typeface="Montserrat Medium"/>
+              </a:rPr>
               <a:t>2. Best day of the week to buy?</a:t>
             </a:r>
-            <a:endParaRPr b="1"/>
+            <a:endParaRPr>
+              <a:latin typeface="Montserrat Medium"/>
+              <a:ea typeface="Montserrat Medium"/>
+              <a:cs typeface="Montserrat Medium"/>
+              <a:sym typeface="Montserrat Medium"/>
+            </a:endParaRPr>
           </a:p>
         </p:txBody>
       </p:sp>
@@ -8026,7 +9419,7 @@
   <p:cSld>
     <p:spTree>
       <p:nvGrpSpPr>
-        <p:cNvPr id="91" name="Shape 91"/>
+        <p:cNvPr id="96" name="Shape 96"/>
         <p:cNvGrpSpPr/>
         <p:nvPr/>
       </p:nvGrpSpPr>
@@ -8040,7 +9433,7 @@
       </p:grpSpPr>
       <p:pic>
         <p:nvPicPr>
-          <p:cNvPr id="92" name="Google Shape;92;p20"/>
+          <p:cNvPr id="97" name="Google Shape;97;p20"/>
           <p:cNvPicPr preferRelativeResize="0"/>
           <p:nvPr/>
         </p:nvPicPr>
@@ -8054,7 +9447,7 @@
         </p:blipFill>
         <p:spPr>
           <a:xfrm>
-            <a:off x="152400" y="152400"/>
+            <a:off x="152400" y="228600"/>
             <a:ext cx="8839199" cy="4535806"/>
           </a:xfrm>
           <a:prstGeom prst="rect">
@@ -8079,7 +9472,7 @@
   <p:cSld>
     <p:spTree>
       <p:nvGrpSpPr>
-        <p:cNvPr id="96" name="Shape 96"/>
+        <p:cNvPr id="101" name="Shape 101"/>
         <p:cNvGrpSpPr/>
         <p:nvPr/>
       </p:nvGrpSpPr>
@@ -8093,7 +9486,7 @@
       </p:grpSpPr>
       <p:sp>
         <p:nvSpPr>
-          <p:cNvPr id="97" name="Google Shape;97;p21"/>
+          <p:cNvPr id="102" name="Google Shape;102;p21"/>
           <p:cNvSpPr txBox="1"/>
           <p:nvPr>
             <p:ph type="title"/>
@@ -8101,8 +9494,8 @@
         </p:nvSpPr>
         <p:spPr>
           <a:xfrm>
-            <a:off x="311700" y="2150850"/>
-            <a:ext cx="8520600" cy="841800"/>
+            <a:off x="671250" y="2141250"/>
+            <a:ext cx="7852200" cy="861000"/>
           </a:xfrm>
           <a:prstGeom prst="rect">
             <a:avLst/>
@@ -8124,10 +9517,20 @@
               <a:buNone/>
             </a:pPr>
             <a:r>
-              <a:rPr lang="en"/>
+              <a:rPr lang="en">
+                <a:latin typeface="Montserrat Medium"/>
+                <a:ea typeface="Montserrat Medium"/>
+                <a:cs typeface="Montserrat Medium"/>
+                <a:sym typeface="Montserrat Medium"/>
+              </a:rPr>
               <a:t>3. How do NYC airports stack up?</a:t>
             </a:r>
-            <a:endParaRPr/>
+            <a:endParaRPr>
+              <a:latin typeface="Montserrat Medium"/>
+              <a:ea typeface="Montserrat Medium"/>
+              <a:cs typeface="Montserrat Medium"/>
+              <a:sym typeface="Montserrat Medium"/>
+            </a:endParaRPr>
           </a:p>
         </p:txBody>
       </p:sp>
@@ -8140,6 +9543,285 @@
 </file>
 
 <file path=ppt/theme/theme1.xml><?xml version="1.0" encoding="utf-8"?>
+<a:theme xmlns:a="http://schemas.openxmlformats.org/drawingml/2006/main" xmlns:r="http://schemas.openxmlformats.org/officeDocument/2006/relationships" name="Slate">
+  <a:themeElements>
+    <a:clrScheme name="Slate">
+      <a:dk1>
+        <a:srgbClr val="FFFFFF"/>
+      </a:dk1>
+      <a:lt1>
+        <a:srgbClr val="37474F"/>
+      </a:lt1>
+      <a:dk2>
+        <a:srgbClr val="9E9E9E"/>
+      </a:dk2>
+      <a:lt2>
+        <a:srgbClr val="E0E0E0"/>
+      </a:lt2>
+      <a:accent1>
+        <a:srgbClr val="616161"/>
+      </a:accent1>
+      <a:accent2>
+        <a:srgbClr val="78909C"/>
+      </a:accent2>
+      <a:accent3>
+        <a:srgbClr val="CACACA"/>
+      </a:accent3>
+      <a:accent4>
+        <a:srgbClr val="64FFDA"/>
+      </a:accent4>
+      <a:accent5>
+        <a:srgbClr val="FFD966"/>
+      </a:accent5>
+      <a:accent6>
+        <a:srgbClr val="F5F5F5"/>
+      </a:accent6>
+      <a:hlink>
+        <a:srgbClr val="FFD966"/>
+      </a:hlink>
+      <a:folHlink>
+        <a:srgbClr val="FFD966"/>
+      </a:folHlink>
+    </a:clrScheme>
+    <a:fontScheme name="Office">
+      <a:majorFont>
+        <a:latin typeface="Arial"/>
+        <a:ea typeface=""/>
+        <a:cs typeface=""/>
+        <a:font script="Jpan" typeface="ＭＳ Ｐゴシック"/>
+        <a:font script="Hang" typeface="맑은 고딕"/>
+        <a:font script="Hans" typeface="宋体"/>
+        <a:font script="Hant" typeface="新細明體"/>
+        <a:font script="Arab" typeface="Times New Roman"/>
+        <a:font script="Hebr" typeface="Times New Roman"/>
+        <a:font script="Thai" typeface="Angsana New"/>
+        <a:font script="Ethi" typeface="Nyala"/>
+        <a:font script="Beng" typeface="Vrinda"/>
+        <a:font script="Gujr" typeface="Shruti"/>
+        <a:font script="Khmr" typeface="MoolBoran"/>
+        <a:font script="Knda" typeface="Tunga"/>
+        <a:font script="Guru" typeface="Raavi"/>
+        <a:font script="Cans" typeface="Euphemia"/>
+        <a:font script="Cher" typeface="Plantagenet Cherokee"/>
+        <a:font script="Yiii" typeface="Microsoft Yi Baiti"/>
+        <a:font script="Tibt" typeface="Microsoft Himalaya"/>
+        <a:font script="Thaa" typeface="MV Boli"/>
+        <a:font script="Deva" typeface="Mangal"/>
+        <a:font script="Telu" typeface="Gautami"/>
+        <a:font script="Taml" typeface="Latha"/>
+        <a:font script="Syrc" typeface="Estrangelo Edessa"/>
+        <a:font script="Orya" typeface="Kalinga"/>
+        <a:font script="Mlym" typeface="Kartika"/>
+        <a:font script="Laoo" typeface="DokChampa"/>
+        <a:font script="Sinh" typeface="Iskoola Pota"/>
+        <a:font script="Mong" typeface="Mongolian Baiti"/>
+        <a:font script="Viet" typeface="Times New Roman"/>
+        <a:font script="Uigh" typeface="Microsoft Uighur"/>
+        <a:font script="Geor" typeface="Sylfaen"/>
+      </a:majorFont>
+      <a:minorFont>
+        <a:latin typeface="Arial"/>
+        <a:ea typeface=""/>
+        <a:cs typeface=""/>
+        <a:font script="Jpan" typeface="ＭＳ Ｐゴシック"/>
+        <a:font script="Hang" typeface="맑은 고딕"/>
+        <a:font script="Hans" typeface="宋体"/>
+        <a:font script="Hant" typeface="新細明體"/>
+        <a:font script="Arab" typeface="Arial"/>
+        <a:font script="Hebr" typeface="Arial"/>
+        <a:font script="Thai" typeface="Cordia New"/>
+        <a:font script="Ethi" typeface="Nyala"/>
+        <a:font script="Beng" typeface="Vrinda"/>
+        <a:font script="Gujr" typeface="Shruti"/>
+        <a:font script="Khmr" typeface="DaunPenh"/>
+        <a:font script="Knda" typeface="Tunga"/>
+        <a:font script="Guru" typeface="Raavi"/>
+        <a:font script="Cans" typeface="Euphemia"/>
+        <a:font script="Cher" typeface="Plantagenet Cherokee"/>
+        <a:font script="Yiii" typeface="Microsoft Yi Baiti"/>
+        <a:font script="Tibt" typeface="Microsoft Himalaya"/>
+        <a:font script="Thaa" typeface="MV Boli"/>
+        <a:font script="Deva" typeface="Mangal"/>
+        <a:font script="Telu" typeface="Gautami"/>
+        <a:font script="Taml" typeface="Latha"/>
+        <a:font script="Syrc" typeface="Estrangelo Edessa"/>
+        <a:font script="Orya" typeface="Kalinga"/>
+        <a:font script="Mlym" typeface="Kartika"/>
+        <a:font script="Laoo" typeface="DokChampa"/>
+        <a:font script="Sinh" typeface="Iskoola Pota"/>
+        <a:font script="Mong" typeface="Mongolian Baiti"/>
+        <a:font script="Viet" typeface="Arial"/>
+        <a:font script="Uigh" typeface="Microsoft Uighur"/>
+        <a:font script="Geor" typeface="Sylfaen"/>
+      </a:minorFont>
+    </a:fontScheme>
+    <a:fmtScheme name="Office">
+      <a:fillStyleLst>
+        <a:solidFill>
+          <a:schemeClr val="phClr"/>
+        </a:solidFill>
+        <a:gradFill rotWithShape="1">
+          <a:gsLst>
+            <a:gs pos="0">
+              <a:schemeClr val="phClr">
+                <a:tint val="50000"/>
+                <a:satMod val="300000"/>
+              </a:schemeClr>
+            </a:gs>
+            <a:gs pos="35000">
+              <a:schemeClr val="phClr">
+                <a:tint val="37000"/>
+                <a:satMod val="300000"/>
+              </a:schemeClr>
+            </a:gs>
+            <a:gs pos="100000">
+              <a:schemeClr val="phClr">
+                <a:tint val="15000"/>
+                <a:satMod val="350000"/>
+              </a:schemeClr>
+            </a:gs>
+          </a:gsLst>
+          <a:lin ang="16200000" scaled="1"/>
+        </a:gradFill>
+        <a:gradFill rotWithShape="1">
+          <a:gsLst>
+            <a:gs pos="0">
+              <a:schemeClr val="phClr">
+                <a:tint val="100000"/>
+                <a:shade val="100000"/>
+                <a:satMod val="130000"/>
+              </a:schemeClr>
+            </a:gs>
+            <a:gs pos="100000">
+              <a:schemeClr val="phClr">
+                <a:tint val="50000"/>
+                <a:shade val="100000"/>
+                <a:satMod val="350000"/>
+              </a:schemeClr>
+            </a:gs>
+          </a:gsLst>
+          <a:lin ang="16200000" scaled="0"/>
+        </a:gradFill>
+      </a:fillStyleLst>
+      <a:lnStyleLst>
+        <a:ln w="9525" cap="flat" cmpd="sng" algn="ctr">
+          <a:solidFill>
+            <a:schemeClr val="phClr">
+              <a:shade val="95000"/>
+              <a:satMod val="105000"/>
+            </a:schemeClr>
+          </a:solidFill>
+          <a:prstDash val="solid"/>
+        </a:ln>
+        <a:ln w="25400" cap="flat" cmpd="sng" algn="ctr">
+          <a:solidFill>
+            <a:schemeClr val="phClr"/>
+          </a:solidFill>
+          <a:prstDash val="solid"/>
+        </a:ln>
+        <a:ln w="38100" cap="flat" cmpd="sng" algn="ctr">
+          <a:solidFill>
+            <a:schemeClr val="phClr"/>
+          </a:solidFill>
+          <a:prstDash val="solid"/>
+        </a:ln>
+      </a:lnStyleLst>
+      <a:effectStyleLst>
+        <a:effectStyle>
+          <a:effectLst>
+            <a:outerShdw blurRad="40000" dist="20000" dir="5400000" rotWithShape="0">
+              <a:srgbClr val="000000">
+                <a:alpha val="38000"/>
+              </a:srgbClr>
+            </a:outerShdw>
+          </a:effectLst>
+        </a:effectStyle>
+        <a:effectStyle>
+          <a:effectLst>
+            <a:outerShdw blurRad="40000" dist="23000" dir="5400000" rotWithShape="0">
+              <a:srgbClr val="000000">
+                <a:alpha val="35000"/>
+              </a:srgbClr>
+            </a:outerShdw>
+          </a:effectLst>
+        </a:effectStyle>
+        <a:effectStyle>
+          <a:effectLst>
+            <a:outerShdw blurRad="40000" dist="23000" dir="5400000" rotWithShape="0">
+              <a:srgbClr val="000000">
+                <a:alpha val="35000"/>
+              </a:srgbClr>
+            </a:outerShdw>
+          </a:effectLst>
+          <a:scene3d>
+            <a:camera prst="orthographicFront">
+              <a:rot lat="0" lon="0" rev="0"/>
+            </a:camera>
+            <a:lightRig rig="threePt" dir="t">
+              <a:rot lat="0" lon="0" rev="1200000"/>
+            </a:lightRig>
+          </a:scene3d>
+          <a:sp3d>
+            <a:bevelT w="63500" h="25400"/>
+          </a:sp3d>
+        </a:effectStyle>
+      </a:effectStyleLst>
+      <a:bgFillStyleLst>
+        <a:solidFill>
+          <a:schemeClr val="phClr"/>
+        </a:solidFill>
+        <a:gradFill rotWithShape="1">
+          <a:gsLst>
+            <a:gs pos="0">
+              <a:schemeClr val="phClr">
+                <a:tint val="40000"/>
+                <a:satMod val="350000"/>
+              </a:schemeClr>
+            </a:gs>
+            <a:gs pos="40000">
+              <a:schemeClr val="phClr">
+                <a:tint val="45000"/>
+                <a:shade val="99000"/>
+                <a:satMod val="350000"/>
+              </a:schemeClr>
+            </a:gs>
+            <a:gs pos="100000">
+              <a:schemeClr val="phClr">
+                <a:shade val="20000"/>
+                <a:satMod val="255000"/>
+              </a:schemeClr>
+            </a:gs>
+          </a:gsLst>
+          <a:path path="circle">
+            <a:fillToRect l="50000" t="-80000" r="50000" b="180000"/>
+          </a:path>
+        </a:gradFill>
+        <a:gradFill rotWithShape="1">
+          <a:gsLst>
+            <a:gs pos="0">
+              <a:schemeClr val="phClr">
+                <a:tint val="80000"/>
+                <a:satMod val="300000"/>
+              </a:schemeClr>
+            </a:gs>
+            <a:gs pos="100000">
+              <a:schemeClr val="phClr">
+                <a:shade val="30000"/>
+                <a:satMod val="200000"/>
+              </a:schemeClr>
+            </a:gs>
+          </a:gsLst>
+          <a:path path="circle">
+            <a:fillToRect l="50000" t="50000" r="50000" b="50000"/>
+          </a:path>
+        </a:gradFill>
+      </a:bgFillStyleLst>
+    </a:fmtScheme>
+  </a:themeElements>
+</a:theme>
+</file>
+
+<file path=ppt/theme/theme2.xml><?xml version="1.0" encoding="utf-8"?>
 <a:theme xmlns:a="http://schemas.openxmlformats.org/drawingml/2006/main" xmlns:r="http://schemas.openxmlformats.org/officeDocument/2006/relationships">
   <a:themeElements>
     <a:clrScheme name="Default">
@@ -8416,283 +10098,4 @@
     </a:fmtScheme>
   </a:themeElements>
 </a:theme>
-</file>
-
-<file path=ppt/theme/theme2.xml><?xml version="1.0" encoding="utf-8"?>
-<a:theme xmlns:a="http://schemas.openxmlformats.org/drawingml/2006/main" xmlns:r="http://schemas.openxmlformats.org/officeDocument/2006/relationships" name="Simple Light">
-  <a:themeElements>
-    <a:clrScheme name="Simple Light">
-      <a:dk1>
-        <a:srgbClr val="000000"/>
-      </a:dk1>
-      <a:lt1>
-        <a:srgbClr val="FFFFFF"/>
-      </a:lt1>
-      <a:dk2>
-        <a:srgbClr val="595959"/>
-      </a:dk2>
-      <a:lt2>
-        <a:srgbClr val="EEEEEE"/>
-      </a:lt2>
-      <a:accent1>
-        <a:srgbClr val="FFAB40"/>
-      </a:accent1>
-      <a:accent2>
-        <a:srgbClr val="212121"/>
-      </a:accent2>
-      <a:accent3>
-        <a:srgbClr val="78909C"/>
-      </a:accent3>
-      <a:accent4>
-        <a:srgbClr val="FFAB40"/>
-      </a:accent4>
-      <a:accent5>
-        <a:srgbClr val="0097A7"/>
-      </a:accent5>
-      <a:accent6>
-        <a:srgbClr val="EEFF41"/>
-      </a:accent6>
-      <a:hlink>
-        <a:srgbClr val="0097A7"/>
-      </a:hlink>
-      <a:folHlink>
-        <a:srgbClr val="0097A7"/>
-      </a:folHlink>
-    </a:clrScheme>
-    <a:fontScheme name="Office">
-      <a:majorFont>
-        <a:latin typeface="Arial"/>
-        <a:ea typeface=""/>
-        <a:cs typeface=""/>
-        <a:font script="Jpan" typeface="ＭＳ Ｐゴシック"/>
-        <a:font script="Hang" typeface="맑은 고딕"/>
-        <a:font script="Hans" typeface="宋体"/>
-        <a:font script="Hant" typeface="新細明體"/>
-        <a:font script="Arab" typeface="Times New Roman"/>
-        <a:font script="Hebr" typeface="Times New Roman"/>
-        <a:font script="Thai" typeface="Angsana New"/>
-        <a:font script="Ethi" typeface="Nyala"/>
-        <a:font script="Beng" typeface="Vrinda"/>
-        <a:font script="Gujr" typeface="Shruti"/>
-        <a:font script="Khmr" typeface="MoolBoran"/>
-        <a:font script="Knda" typeface="Tunga"/>
-        <a:font script="Guru" typeface="Raavi"/>
-        <a:font script="Cans" typeface="Euphemia"/>
-        <a:font script="Cher" typeface="Plantagenet Cherokee"/>
-        <a:font script="Yiii" typeface="Microsoft Yi Baiti"/>
-        <a:font script="Tibt" typeface="Microsoft Himalaya"/>
-        <a:font script="Thaa" typeface="MV Boli"/>
-        <a:font script="Deva" typeface="Mangal"/>
-        <a:font script="Telu" typeface="Gautami"/>
-        <a:font script="Taml" typeface="Latha"/>
-        <a:font script="Syrc" typeface="Estrangelo Edessa"/>
-        <a:font script="Orya" typeface="Kalinga"/>
-        <a:font script="Mlym" typeface="Kartika"/>
-        <a:font script="Laoo" typeface="DokChampa"/>
-        <a:font script="Sinh" typeface="Iskoola Pota"/>
-        <a:font script="Mong" typeface="Mongolian Baiti"/>
-        <a:font script="Viet" typeface="Times New Roman"/>
-        <a:font script="Uigh" typeface="Microsoft Uighur"/>
-        <a:font script="Geor" typeface="Sylfaen"/>
-      </a:majorFont>
-      <a:minorFont>
-        <a:latin typeface="Arial"/>
-        <a:ea typeface=""/>
-        <a:cs typeface=""/>
-        <a:font script="Jpan" typeface="ＭＳ Ｐゴシック"/>
-        <a:font script="Hang" typeface="맑은 고딕"/>
-        <a:font script="Hans" typeface="宋体"/>
-        <a:font script="Hant" typeface="新細明體"/>
-        <a:font script="Arab" typeface="Arial"/>
-        <a:font script="Hebr" typeface="Arial"/>
-        <a:font script="Thai" typeface="Cordia New"/>
-        <a:font script="Ethi" typeface="Nyala"/>
-        <a:font script="Beng" typeface="Vrinda"/>
-        <a:font script="Gujr" typeface="Shruti"/>
-        <a:font script="Khmr" typeface="DaunPenh"/>
-        <a:font script="Knda" typeface="Tunga"/>
-        <a:font script="Guru" typeface="Raavi"/>
-        <a:font script="Cans" typeface="Euphemia"/>
-        <a:font script="Cher" typeface="Plantagenet Cherokee"/>
-        <a:font script="Yiii" typeface="Microsoft Yi Baiti"/>
-        <a:font script="Tibt" typeface="Microsoft Himalaya"/>
-        <a:font script="Thaa" typeface="MV Boli"/>
-        <a:font script="Deva" typeface="Mangal"/>
-        <a:font script="Telu" typeface="Gautami"/>
-        <a:font script="Taml" typeface="Latha"/>
-        <a:font script="Syrc" typeface="Estrangelo Edessa"/>
-        <a:font script="Orya" typeface="Kalinga"/>
-        <a:font script="Mlym" typeface="Kartika"/>
-        <a:font script="Laoo" typeface="DokChampa"/>
-        <a:font script="Sinh" typeface="Iskoola Pota"/>
-        <a:font script="Mong" typeface="Mongolian Baiti"/>
-        <a:font script="Viet" typeface="Arial"/>
-        <a:font script="Uigh" typeface="Microsoft Uighur"/>
-        <a:font script="Geor" typeface="Sylfaen"/>
-      </a:minorFont>
-    </a:fontScheme>
-    <a:fmtScheme name="Office">
-      <a:fillStyleLst>
-        <a:solidFill>
-          <a:schemeClr val="phClr"/>
-        </a:solidFill>
-        <a:gradFill rotWithShape="1">
-          <a:gsLst>
-            <a:gs pos="0">
-              <a:schemeClr val="phClr">
-                <a:tint val="50000"/>
-                <a:satMod val="300000"/>
-              </a:schemeClr>
-            </a:gs>
-            <a:gs pos="35000">
-              <a:schemeClr val="phClr">
-                <a:tint val="37000"/>
-                <a:satMod val="300000"/>
-              </a:schemeClr>
-            </a:gs>
-            <a:gs pos="100000">
-              <a:schemeClr val="phClr">
-                <a:tint val="15000"/>
-                <a:satMod val="350000"/>
-              </a:schemeClr>
-            </a:gs>
-          </a:gsLst>
-          <a:lin ang="16200000" scaled="1"/>
-        </a:gradFill>
-        <a:gradFill rotWithShape="1">
-          <a:gsLst>
-            <a:gs pos="0">
-              <a:schemeClr val="phClr">
-                <a:tint val="100000"/>
-                <a:shade val="100000"/>
-                <a:satMod val="130000"/>
-              </a:schemeClr>
-            </a:gs>
-            <a:gs pos="100000">
-              <a:schemeClr val="phClr">
-                <a:tint val="50000"/>
-                <a:shade val="100000"/>
-                <a:satMod val="350000"/>
-              </a:schemeClr>
-            </a:gs>
-          </a:gsLst>
-          <a:lin ang="16200000" scaled="0"/>
-        </a:gradFill>
-      </a:fillStyleLst>
-      <a:lnStyleLst>
-        <a:ln w="9525" cap="flat" cmpd="sng" algn="ctr">
-          <a:solidFill>
-            <a:schemeClr val="phClr">
-              <a:shade val="95000"/>
-              <a:satMod val="105000"/>
-            </a:schemeClr>
-          </a:solidFill>
-          <a:prstDash val="solid"/>
-        </a:ln>
-        <a:ln w="25400" cap="flat" cmpd="sng" algn="ctr">
-          <a:solidFill>
-            <a:schemeClr val="phClr"/>
-          </a:solidFill>
-          <a:prstDash val="solid"/>
-        </a:ln>
-        <a:ln w="38100" cap="flat" cmpd="sng" algn="ctr">
-          <a:solidFill>
-            <a:schemeClr val="phClr"/>
-          </a:solidFill>
-          <a:prstDash val="solid"/>
-        </a:ln>
-      </a:lnStyleLst>
-      <a:effectStyleLst>
-        <a:effectStyle>
-          <a:effectLst>
-            <a:outerShdw blurRad="40000" dist="20000" dir="5400000" rotWithShape="0">
-              <a:srgbClr val="000000">
-                <a:alpha val="38000"/>
-              </a:srgbClr>
-            </a:outerShdw>
-          </a:effectLst>
-        </a:effectStyle>
-        <a:effectStyle>
-          <a:effectLst>
-            <a:outerShdw blurRad="40000" dist="23000" dir="5400000" rotWithShape="0">
-              <a:srgbClr val="000000">
-                <a:alpha val="35000"/>
-              </a:srgbClr>
-            </a:outerShdw>
-          </a:effectLst>
-        </a:effectStyle>
-        <a:effectStyle>
-          <a:effectLst>
-            <a:outerShdw blurRad="40000" dist="23000" dir="5400000" rotWithShape="0">
-              <a:srgbClr val="000000">
-                <a:alpha val="35000"/>
-              </a:srgbClr>
-            </a:outerShdw>
-          </a:effectLst>
-          <a:scene3d>
-            <a:camera prst="orthographicFront">
-              <a:rot lat="0" lon="0" rev="0"/>
-            </a:camera>
-            <a:lightRig rig="threePt" dir="t">
-              <a:rot lat="0" lon="0" rev="1200000"/>
-            </a:lightRig>
-          </a:scene3d>
-          <a:sp3d>
-            <a:bevelT w="63500" h="25400"/>
-          </a:sp3d>
-        </a:effectStyle>
-      </a:effectStyleLst>
-      <a:bgFillStyleLst>
-        <a:solidFill>
-          <a:schemeClr val="phClr"/>
-        </a:solidFill>
-        <a:gradFill rotWithShape="1">
-          <a:gsLst>
-            <a:gs pos="0">
-              <a:schemeClr val="phClr">
-                <a:tint val="40000"/>
-                <a:satMod val="350000"/>
-              </a:schemeClr>
-            </a:gs>
-            <a:gs pos="40000">
-              <a:schemeClr val="phClr">
-                <a:tint val="45000"/>
-                <a:shade val="99000"/>
-                <a:satMod val="350000"/>
-              </a:schemeClr>
-            </a:gs>
-            <a:gs pos="100000">
-              <a:schemeClr val="phClr">
-                <a:shade val="20000"/>
-                <a:satMod val="255000"/>
-              </a:schemeClr>
-            </a:gs>
-          </a:gsLst>
-          <a:path path="circle">
-            <a:fillToRect l="50000" t="-80000" r="50000" b="180000"/>
-          </a:path>
-        </a:gradFill>
-        <a:gradFill rotWithShape="1">
-          <a:gsLst>
-            <a:gs pos="0">
-              <a:schemeClr val="phClr">
-                <a:tint val="80000"/>
-                <a:satMod val="300000"/>
-              </a:schemeClr>
-            </a:gs>
-            <a:gs pos="100000">
-              <a:schemeClr val="phClr">
-                <a:shade val="30000"/>
-                <a:satMod val="200000"/>
-              </a:schemeClr>
-            </a:gs>
-          </a:gsLst>
-          <a:path path="circle">
-            <a:fillToRect l="50000" t="50000" r="50000" b="50000"/>
-          </a:path>
-        </a:gradFill>
-      </a:bgFillStyleLst>
-    </a:fmtScheme>
-  </a:themeElements>
-</a:theme>
 </file>